--- a/A2poster.pptx
+++ b/A2poster.pptx
@@ -8831,23 +8831,20 @@
               </a:spcBef>
             </a:pPr>
             <a:r>
-              <a:rPr lang="en-US" sz="2400" b="1">
+              <a:rPr lang="en-US" sz="2400" b="1" dirty="0">
                 <a:solidFill>
                   <a:schemeClr val="bg1"/>
                 </a:solidFill>
               </a:rPr>
-              <a:t> </a:t>
-            </a:r>
-            <a:r>
-              <a:rPr lang="en-US" sz="2400" b="1">
-                <a:solidFill>
-                  <a:schemeClr val="bg1"/>
-                </a:solidFill>
-                <a:latin typeface="Times New Roman" pitchFamily="18" charset="0"/>
-                <a:cs typeface="Times New Roman" pitchFamily="18" charset="0"/>
-              </a:rPr>
-              <a:t>Introduction</a:t>
-            </a:r>
+              <a:t>Abstract</a:t>
+            </a:r>
+            <a:endParaRPr lang="en-US" sz="2400" b="1" dirty="0">
+              <a:solidFill>
+                <a:schemeClr val="bg1"/>
+              </a:solidFill>
+              <a:latin typeface="Times New Roman" pitchFamily="18" charset="0"/>
+              <a:cs typeface="Times New Roman" pitchFamily="18" charset="0"/>
+            </a:endParaRPr>
           </a:p>
         </p:txBody>
       </p:sp>
@@ -8861,8 +8858,8 @@
         </p:nvSpPr>
         <p:spPr bwMode="auto">
           <a:xfrm>
-            <a:off x="325438" y="3744089"/>
-            <a:ext cx="4654550" cy="7764912"/>
+            <a:off x="323850" y="6503836"/>
+            <a:ext cx="4654550" cy="6841582"/>
           </a:xfrm>
           <a:prstGeom prst="rect">
             <a:avLst/>
@@ -9007,107 +9004,31 @@
               <a:defRPr/>
             </a:pPr>
             <a:r>
-              <a:rPr lang="en-US" sz="2400" dirty="0">
+              <a:rPr lang="en-NZ" sz="2000" dirty="0">
                 <a:solidFill>
                   <a:schemeClr val="tx2"/>
                 </a:solidFill>
                 <a:latin typeface="Times New Roman" pitchFamily="18" charset="0"/>
                 <a:cs typeface="Times New Roman" pitchFamily="18" charset="0"/>
               </a:rPr>
-              <a:t>This poster describes the specification </a:t>
-            </a:r>
-            <a:r>
-              <a:rPr lang="en-US" altLang="zh-CN" sz="2400" dirty="0">
+              <a:t>A petrol company owns a number of petrol stations. Each petrol station consists of a number of petrol pumps. Each pump can be reset by a supervisor, after which it can pump out petrol from a common store, recording at each stage the volume and cost of petrol pumped so far. When pumping is finished, the total cost is recorded by the supervisor and subsequently paid by the customer. Each pump in a petrol station sells petrol at the same price, although this price may vary between stations. The common store can be re-stocked by the petrol company at any time. The company supplies petrol at the same cost to each station. Records are</a:t>
+            </a:r>
+          </a:p>
+          <a:p>
+            <a:pPr algn="just" eaLnBrk="1" hangingPunct="1">
+              <a:defRPr/>
+            </a:pPr>
+            <a:r>
+              <a:rPr lang="en-NZ" sz="2000" dirty="0">
                 <a:solidFill>
                   <a:schemeClr val="tx2"/>
                 </a:solidFill>
                 <a:latin typeface="Times New Roman" pitchFamily="18" charset="0"/>
                 <a:cs typeface="Times New Roman" pitchFamily="18" charset="0"/>
               </a:rPr>
-              <a:t>and validation</a:t>
-            </a:r>
-            <a:r>
-              <a:rPr lang="en-US" sz="2400" dirty="0">
-                <a:solidFill>
-                  <a:schemeClr val="tx2"/>
-                </a:solidFill>
-                <a:latin typeface="Times New Roman" pitchFamily="18" charset="0"/>
-                <a:cs typeface="Times New Roman" pitchFamily="18" charset="0"/>
-              </a:rPr>
-              <a:t> of a petrol supply system with supports from Unified Modeling Language (UML), and Object </a:t>
-            </a:r>
-            <a:r>
-              <a:rPr lang="en-US" altLang="zh-CN" sz="2400" dirty="0">
-                <a:solidFill>
-                  <a:schemeClr val="tx2"/>
-                </a:solidFill>
-                <a:latin typeface="Times New Roman" pitchFamily="18" charset="0"/>
-                <a:cs typeface="Times New Roman" pitchFamily="18" charset="0"/>
-              </a:rPr>
-              <a:t>Constraint Language (OCL) </a:t>
-            </a:r>
-            <a:r>
-              <a:rPr lang="en-US" sz="2400" dirty="0">
-                <a:solidFill>
-                  <a:schemeClr val="tx2"/>
-                </a:solidFill>
-                <a:latin typeface="Times New Roman" pitchFamily="18" charset="0"/>
-                <a:cs typeface="Times New Roman" pitchFamily="18" charset="0"/>
-              </a:rPr>
-              <a:t>under UML-based Specification Environment (USE). </a:t>
-            </a:r>
-          </a:p>
-          <a:p>
-            <a:pPr algn="just" eaLnBrk="1" hangingPunct="1">
-              <a:defRPr/>
-            </a:pPr>
-            <a:endParaRPr lang="en-US" sz="2400" dirty="0">
-              <a:solidFill>
-                <a:schemeClr val="tx2"/>
-              </a:solidFill>
-              <a:latin typeface="Times New Roman" pitchFamily="18" charset="0"/>
-              <a:cs typeface="Times New Roman" pitchFamily="18" charset="0"/>
-            </a:endParaRPr>
-          </a:p>
-          <a:p>
-            <a:pPr algn="just" eaLnBrk="1" hangingPunct="1">
-              <a:defRPr/>
-            </a:pPr>
-            <a:r>
-              <a:rPr lang="en-US" sz="2400" dirty="0">
-                <a:solidFill>
-                  <a:schemeClr val="tx2"/>
-                </a:solidFill>
-                <a:latin typeface="Times New Roman" pitchFamily="18" charset="0"/>
-                <a:cs typeface="Times New Roman" pitchFamily="18" charset="0"/>
-              </a:rPr>
-              <a:t>The main goal of using UML was to provide us with tools for analysis, design as well as implementation of the petrol supply system with object-oriented modeling aspect. The support from OCL provides a declarative language describing rules applying to UML models.</a:t>
-            </a:r>
-          </a:p>
-          <a:p>
-            <a:pPr algn="just" eaLnBrk="1" hangingPunct="1">
-              <a:defRPr/>
-            </a:pPr>
-            <a:r>
-              <a:rPr lang="en-US" sz="2400" dirty="0">
-                <a:solidFill>
-                  <a:schemeClr val="tx2"/>
-                </a:solidFill>
-                <a:latin typeface="Times New Roman" pitchFamily="18" charset="0"/>
-                <a:cs typeface="Times New Roman" pitchFamily="18" charset="0"/>
-              </a:rPr>
-              <a:t> </a:t>
-            </a:r>
-            <a:br>
-              <a:rPr lang="en-US" sz="2400" dirty="0">
-                <a:solidFill>
-                  <a:schemeClr val="tx2"/>
-                </a:solidFill>
-                <a:latin typeface="Times New Roman" pitchFamily="18" charset="0"/>
-                <a:cs typeface="Times New Roman" pitchFamily="18" charset="0"/>
-              </a:rPr>
-            </a:br>
-            <a:endParaRPr lang="en-US" sz="2400" dirty="0">
+              <a:t>kept of the total volume of petrol supplied to each station, as well as the outstanding amount owed by each station. The amount owed to the company by a station is paid when requested by the company.</a:t>
+            </a:r>
+            <a:endParaRPr lang="en-US" sz="2000" dirty="0">
               <a:solidFill>
                 <a:schemeClr val="tx2"/>
               </a:solidFill>
@@ -9127,7 +9048,7 @@
         </p:nvSpPr>
         <p:spPr bwMode="auto">
           <a:xfrm>
-            <a:off x="325438" y="11315700"/>
+            <a:off x="335597" y="13414238"/>
             <a:ext cx="4656137" cy="407988"/>
           </a:xfrm>
           <a:prstGeom prst="rect">
@@ -9292,7 +9213,7 @@
         </p:nvSpPr>
         <p:spPr bwMode="auto">
           <a:xfrm>
-            <a:off x="10130790" y="3121025"/>
+            <a:off x="10133489" y="16103285"/>
             <a:ext cx="4656138" cy="406400"/>
           </a:xfrm>
           <a:prstGeom prst="rect">
@@ -9457,8 +9378,8 @@
         </p:nvSpPr>
         <p:spPr bwMode="auto">
           <a:xfrm>
-            <a:off x="5210288" y="3744089"/>
-            <a:ext cx="4656137" cy="2594266"/>
+            <a:off x="5191554" y="3545214"/>
+            <a:ext cx="4656137" cy="6226029"/>
           </a:xfrm>
           <a:prstGeom prst="rect">
             <a:avLst/>
@@ -9599,21 +9520,78 @@
             </a:lvl9pPr>
           </a:lstStyle>
           <a:p>
-            <a:pPr eaLnBrk="1" hangingPunct="1"/>
-            <a:r>
-              <a:rPr lang="en-US" sz="2400" dirty="0">
+            <a:pPr algn="just" eaLnBrk="1" hangingPunct="1"/>
+            <a:r>
+              <a:rPr lang="en-NZ" sz="2000" dirty="0">
                 <a:solidFill>
                   <a:schemeClr val="tx2"/>
                 </a:solidFill>
                 <a:latin typeface="Times New Roman" pitchFamily="18" charset="0"/>
                 <a:cs typeface="Times New Roman" pitchFamily="18" charset="0"/>
               </a:rPr>
-              <a:t>Results can be shown in form of tables or graphs or charts. Should be about 150 words.</a:t>
-            </a:r>
-          </a:p>
-          <a:p>
-            <a:pPr eaLnBrk="1" hangingPunct="1"/>
-            <a:endParaRPr lang="en-US" sz="2400" dirty="0">
+              <a:t>Some unique designs have been implemented in this petrol system. First, the pump will wait for a supervisor to reset before it can online again. Second, the supervisor will record the transaction every time a customer pumped gas from a pump. While he had reset every pump in the station, he will have a chance to report the Record he has to the Station. And the Record at station side will be updated base on this. The Record at Station side is the one used to calculate how much does a station need pay to the Company. Since the company can collect bill anytime they want, the stations have been given operation </a:t>
+            </a:r>
+            <a:r>
+              <a:rPr lang="en-NZ" sz="2000" dirty="0" err="1">
+                <a:solidFill>
+                  <a:schemeClr val="tx2"/>
+                </a:solidFill>
+                <a:latin typeface="Times New Roman" pitchFamily="18" charset="0"/>
+                <a:cs typeface="Times New Roman" pitchFamily="18" charset="0"/>
+              </a:rPr>
+              <a:t>resetRecord</a:t>
+            </a:r>
+            <a:r>
+              <a:rPr lang="en-NZ" sz="2000" dirty="0">
+                <a:solidFill>
+                  <a:schemeClr val="tx2"/>
+                </a:solidFill>
+                <a:latin typeface="Times New Roman" pitchFamily="18" charset="0"/>
+                <a:cs typeface="Times New Roman" pitchFamily="18" charset="0"/>
+              </a:rPr>
+              <a:t>(), pay-Owe (</a:t>
+            </a:r>
+            <a:r>
+              <a:rPr lang="en-NZ" sz="2000" dirty="0" err="1">
+                <a:solidFill>
+                  <a:schemeClr val="tx2"/>
+                </a:solidFill>
+                <a:latin typeface="Times New Roman" pitchFamily="18" charset="0"/>
+                <a:cs typeface="Times New Roman" pitchFamily="18" charset="0"/>
+              </a:rPr>
+              <a:t>amount:Real</a:t>
+            </a:r>
+            <a:r>
+              <a:rPr lang="en-NZ" sz="2000" dirty="0">
+                <a:solidFill>
+                  <a:schemeClr val="tx2"/>
+                </a:solidFill>
+                <a:latin typeface="Times New Roman" pitchFamily="18" charset="0"/>
+                <a:cs typeface="Times New Roman" pitchFamily="18" charset="0"/>
+              </a:rPr>
+              <a:t>) and restock (</a:t>
+            </a:r>
+            <a:r>
+              <a:rPr lang="en-NZ" sz="2000" dirty="0" err="1">
+                <a:solidFill>
+                  <a:schemeClr val="tx2"/>
+                </a:solidFill>
+                <a:latin typeface="Times New Roman" pitchFamily="18" charset="0"/>
+                <a:cs typeface="Times New Roman" pitchFamily="18" charset="0"/>
+              </a:rPr>
+              <a:t>volume:Real</a:t>
+            </a:r>
+            <a:r>
+              <a:rPr lang="en-NZ" sz="2000" dirty="0">
+                <a:solidFill>
+                  <a:schemeClr val="tx2"/>
+                </a:solidFill>
+                <a:latin typeface="Times New Roman" pitchFamily="18" charset="0"/>
+                <a:cs typeface="Times New Roman" pitchFamily="18" charset="0"/>
+              </a:rPr>
+              <a:t>) to simulate the real scenario.</a:t>
+            </a:r>
+            <a:endParaRPr lang="en-US" sz="2000" dirty="0">
               <a:solidFill>
                 <a:schemeClr val="tx2"/>
               </a:solidFill>
@@ -9621,958 +9599,8 @@
               <a:cs typeface="Times New Roman" pitchFamily="18" charset="0"/>
             </a:endParaRPr>
           </a:p>
-          <a:p>
-            <a:pPr eaLnBrk="1" hangingPunct="1"/>
-            <a:r>
-              <a:rPr lang="en-US" sz="2400" dirty="0">
-                <a:solidFill>
-                  <a:schemeClr val="tx2"/>
-                </a:solidFill>
-                <a:latin typeface="Times New Roman" pitchFamily="18" charset="0"/>
-                <a:cs typeface="Times New Roman" pitchFamily="18" charset="0"/>
-              </a:rPr>
-              <a:t>Images of charts / tables/ graphs should be clear and readable.</a:t>
-            </a:r>
-          </a:p>
         </p:txBody>
       </p:sp>
-      <p:graphicFrame>
-        <p:nvGraphicFramePr>
-          <p:cNvPr id="2637" name="Group 589"/>
-          <p:cNvGraphicFramePr>
-            <a:graphicFrameLocks noGrp="1"/>
-          </p:cNvGraphicFramePr>
-          <p:nvPr>
-            <p:extLst>
-              <p:ext uri="{D42A27DB-BD31-4B8C-83A1-F6EECF244321}">
-                <p14:modId xmlns:p14="http://schemas.microsoft.com/office/powerpoint/2010/main" val="425959794"/>
-              </p:ext>
-            </p:extLst>
-          </p:nvPr>
-        </p:nvGraphicFramePr>
-        <p:xfrm>
-          <a:off x="5419724" y="6798891"/>
-          <a:ext cx="4256087" cy="2266949"/>
-        </p:xfrm>
-        <a:graphic>
-          <a:graphicData uri="http://schemas.openxmlformats.org/drawingml/2006/table">
-            <a:tbl>
-              <a:tblPr/>
-              <a:tblGrid>
-                <a:gridCol w="1457964">
-                  <a:extLst>
-                    <a:ext uri="{9D8B030D-6E8A-4147-A177-3AD203B41FA5}">
-                      <a16:colId xmlns:a16="http://schemas.microsoft.com/office/drawing/2014/main" val="20000"/>
-                    </a:ext>
-                  </a:extLst>
-                </a:gridCol>
-                <a:gridCol w="1166933">
-                  <a:extLst>
-                    <a:ext uri="{9D8B030D-6E8A-4147-A177-3AD203B41FA5}">
-                      <a16:colId xmlns:a16="http://schemas.microsoft.com/office/drawing/2014/main" val="20001"/>
-                    </a:ext>
-                  </a:extLst>
-                </a:gridCol>
-                <a:gridCol w="1631190">
-                  <a:extLst>
-                    <a:ext uri="{9D8B030D-6E8A-4147-A177-3AD203B41FA5}">
-                      <a16:colId xmlns:a16="http://schemas.microsoft.com/office/drawing/2014/main" val="20002"/>
-                    </a:ext>
-                  </a:extLst>
-                </a:gridCol>
-              </a:tblGrid>
-              <a:tr h="350794">
-                <a:tc gridSpan="3">
-                  <a:txBody>
-                    <a:bodyPr/>
-                    <a:lstStyle/>
-                    <a:p>
-                      <a:pPr marL="0" marR="0" lvl="0" indent="0" algn="ctr" defTabSz="749300" rtl="0" eaLnBrk="1" fontAlgn="base" latinLnBrk="0" hangingPunct="1">
-                        <a:lnSpc>
-                          <a:spcPct val="100000"/>
-                        </a:lnSpc>
-                        <a:spcBef>
-                          <a:spcPct val="20000"/>
-                        </a:spcBef>
-                        <a:spcAft>
-                          <a:spcPct val="0"/>
-                        </a:spcAft>
-                        <a:buClrTx/>
-                        <a:buSzTx/>
-                        <a:buFontTx/>
-                        <a:buNone/>
-                        <a:tabLst/>
-                      </a:pPr>
-                      <a:r>
-                        <a:rPr kumimoji="0" lang="en-US" sz="600" b="0" i="0" u="none" strike="noStrike" cap="none" normalizeH="0" baseline="0" dirty="0">
-                          <a:ln>
-                            <a:noFill/>
-                          </a:ln>
-                          <a:solidFill>
-                            <a:srgbClr val="FFFFFF"/>
-                          </a:solidFill>
-                          <a:effectLst/>
-                          <a:latin typeface="Arial" charset="0"/>
-                        </a:rPr>
-                        <a:t>TABLE SAMPLE</a:t>
-                      </a:r>
-                    </a:p>
-                  </a:txBody>
-                  <a:tcPr marL="31506" marR="31506" marT="22292" marB="22292" anchor="ctr" horzOverflow="overflow">
-                    <a:lnL w="28575" cap="flat" cmpd="sng" algn="ctr">
-                      <a:solidFill>
-                        <a:schemeClr val="tx1"/>
-                      </a:solidFill>
-                      <a:prstDash val="solid"/>
-                      <a:round/>
-                      <a:headEnd type="none" w="med" len="med"/>
-                      <a:tailEnd type="none" w="med" len="med"/>
-                    </a:lnL>
-                    <a:lnR w="28575" cap="flat" cmpd="sng" algn="ctr">
-                      <a:solidFill>
-                        <a:schemeClr val="tx1"/>
-                      </a:solidFill>
-                      <a:prstDash val="solid"/>
-                      <a:round/>
-                      <a:headEnd type="none" w="med" len="med"/>
-                      <a:tailEnd type="none" w="med" len="med"/>
-                    </a:lnR>
-                    <a:lnT w="28575" cap="flat" cmpd="sng" algn="ctr">
-                      <a:solidFill>
-                        <a:schemeClr val="tx1"/>
-                      </a:solidFill>
-                      <a:prstDash val="solid"/>
-                      <a:round/>
-                      <a:headEnd type="none" w="med" len="med"/>
-                      <a:tailEnd type="none" w="med" len="med"/>
-                    </a:lnT>
-                    <a:lnB w="12700" cap="flat" cmpd="sng" algn="ctr">
-                      <a:solidFill>
-                        <a:schemeClr val="tx1"/>
-                      </a:solidFill>
-                      <a:prstDash val="solid"/>
-                      <a:round/>
-                      <a:headEnd type="none" w="med" len="med"/>
-                      <a:tailEnd type="none" w="med" len="med"/>
-                    </a:lnB>
-                    <a:lnTlToBr>
-                      <a:noFill/>
-                    </a:lnTlToBr>
-                    <a:lnBlToTr>
-                      <a:noFill/>
-                    </a:lnBlToTr>
-                    <a:solidFill>
-                      <a:srgbClr val="1BADCF"/>
-                    </a:solidFill>
-                  </a:tcPr>
-                </a:tc>
-                <a:tc hMerge="1">
-                  <a:txBody>
-                    <a:bodyPr/>
-                    <a:lstStyle/>
-                    <a:p>
-                      <a:endParaRPr lang="en-GB"/>
-                    </a:p>
-                  </a:txBody>
-                  <a:tcPr/>
-                </a:tc>
-                <a:tc hMerge="1">
-                  <a:txBody>
-                    <a:bodyPr/>
-                    <a:lstStyle/>
-                    <a:p>
-                      <a:endParaRPr lang="en-GB"/>
-                    </a:p>
-                  </a:txBody>
-                  <a:tcPr/>
-                </a:tc>
-                <a:extLst>
-                  <a:ext uri="{0D108BD9-81ED-4DB2-BD59-A6C34878D82A}">
-                    <a16:rowId xmlns:a16="http://schemas.microsoft.com/office/drawing/2014/main" val="10000"/>
-                  </a:ext>
-                </a:extLst>
-              </a:tr>
-              <a:tr h="639530">
-                <a:tc>
-                  <a:txBody>
-                    <a:bodyPr/>
-                    <a:lstStyle/>
-                    <a:p>
-                      <a:pPr marL="0" marR="0" lvl="0" indent="0" algn="ctr" defTabSz="749300" rtl="0" eaLnBrk="1" fontAlgn="base" latinLnBrk="0" hangingPunct="1">
-                        <a:lnSpc>
-                          <a:spcPct val="100000"/>
-                        </a:lnSpc>
-                        <a:spcBef>
-                          <a:spcPct val="20000"/>
-                        </a:spcBef>
-                        <a:spcAft>
-                          <a:spcPct val="0"/>
-                        </a:spcAft>
-                        <a:buClrTx/>
-                        <a:buSzTx/>
-                        <a:buFontTx/>
-                        <a:buNone/>
-                        <a:tabLst/>
-                      </a:pPr>
-                      <a:r>
-                        <a:rPr kumimoji="0" lang="en-US" sz="600" b="0" i="0" u="none" strike="noStrike" cap="none" normalizeH="0" baseline="0" dirty="0">
-                          <a:ln>
-                            <a:noFill/>
-                          </a:ln>
-                          <a:solidFill>
-                            <a:schemeClr val="tx2"/>
-                          </a:solidFill>
-                          <a:effectLst/>
-                          <a:latin typeface="Arial" charset="0"/>
-                        </a:rPr>
-                        <a:t>1998</a:t>
-                      </a:r>
-                    </a:p>
-                  </a:txBody>
-                  <a:tcPr marL="31506" marR="31506" marT="22292" marB="22292" anchor="ctr" horzOverflow="overflow">
-                    <a:lnL w="28575" cap="flat" cmpd="sng" algn="ctr">
-                      <a:solidFill>
-                        <a:schemeClr val="tx1"/>
-                      </a:solidFill>
-                      <a:prstDash val="solid"/>
-                      <a:round/>
-                      <a:headEnd type="none" w="med" len="med"/>
-                      <a:tailEnd type="none" w="med" len="med"/>
-                    </a:lnL>
-                    <a:lnR w="12700" cap="flat" cmpd="sng" algn="ctr">
-                      <a:solidFill>
-                        <a:schemeClr val="tx1"/>
-                      </a:solidFill>
-                      <a:prstDash val="solid"/>
-                      <a:round/>
-                      <a:headEnd type="none" w="med" len="med"/>
-                      <a:tailEnd type="none" w="med" len="med"/>
-                    </a:lnR>
-                    <a:lnT w="12700" cap="flat" cmpd="sng" algn="ctr">
-                      <a:solidFill>
-                        <a:schemeClr val="tx1"/>
-                      </a:solidFill>
-                      <a:prstDash val="solid"/>
-                      <a:round/>
-                      <a:headEnd type="none" w="med" len="med"/>
-                      <a:tailEnd type="none" w="med" len="med"/>
-                    </a:lnT>
-                    <a:lnB w="12700" cap="flat" cmpd="sng" algn="ctr">
-                      <a:solidFill>
-                        <a:schemeClr val="tx1"/>
-                      </a:solidFill>
-                      <a:prstDash val="solid"/>
-                      <a:round/>
-                      <a:headEnd type="none" w="med" len="med"/>
-                      <a:tailEnd type="none" w="med" len="med"/>
-                    </a:lnB>
-                    <a:lnTlToBr>
-                      <a:noFill/>
-                    </a:lnTlToBr>
-                    <a:lnBlToTr>
-                      <a:noFill/>
-                    </a:lnBlToTr>
-                    <a:solidFill>
-                      <a:srgbClr val="F8F8F8"/>
-                    </a:solidFill>
-                  </a:tcPr>
-                </a:tc>
-                <a:tc>
-                  <a:txBody>
-                    <a:bodyPr/>
-                    <a:lstStyle/>
-                    <a:p>
-                      <a:pPr marL="0" marR="0" lvl="0" indent="0" algn="ctr" defTabSz="749300" rtl="0" eaLnBrk="1" fontAlgn="base" latinLnBrk="0" hangingPunct="1">
-                        <a:lnSpc>
-                          <a:spcPct val="100000"/>
-                        </a:lnSpc>
-                        <a:spcBef>
-                          <a:spcPct val="20000"/>
-                        </a:spcBef>
-                        <a:spcAft>
-                          <a:spcPct val="0"/>
-                        </a:spcAft>
-                        <a:buClrTx/>
-                        <a:buSzTx/>
-                        <a:buFontTx/>
-                        <a:buNone/>
-                        <a:tabLst/>
-                      </a:pPr>
-                      <a:r>
-                        <a:rPr kumimoji="0" lang="en-US" sz="600" b="0" i="0" u="none" strike="noStrike" cap="none" normalizeH="0" baseline="0" dirty="0">
-                          <a:ln>
-                            <a:noFill/>
-                          </a:ln>
-                          <a:solidFill>
-                            <a:schemeClr val="tx2"/>
-                          </a:solidFill>
-                          <a:effectLst/>
-                          <a:latin typeface="Arial" charset="0"/>
-                        </a:rPr>
-                        <a:t>1999</a:t>
-                      </a:r>
-                    </a:p>
-                  </a:txBody>
-                  <a:tcPr marL="31506" marR="31506" marT="22292" marB="22292" anchor="ctr" horzOverflow="overflow">
-                    <a:lnL w="12700" cap="flat" cmpd="sng" algn="ctr">
-                      <a:solidFill>
-                        <a:schemeClr val="tx1"/>
-                      </a:solidFill>
-                      <a:prstDash val="solid"/>
-                      <a:round/>
-                      <a:headEnd type="none" w="med" len="med"/>
-                      <a:tailEnd type="none" w="med" len="med"/>
-                    </a:lnL>
-                    <a:lnR w="12700" cap="flat" cmpd="sng" algn="ctr">
-                      <a:solidFill>
-                        <a:schemeClr val="tx1"/>
-                      </a:solidFill>
-                      <a:prstDash val="solid"/>
-                      <a:round/>
-                      <a:headEnd type="none" w="med" len="med"/>
-                      <a:tailEnd type="none" w="med" len="med"/>
-                    </a:lnR>
-                    <a:lnT w="12700" cap="flat" cmpd="sng" algn="ctr">
-                      <a:solidFill>
-                        <a:schemeClr val="tx1"/>
-                      </a:solidFill>
-                      <a:prstDash val="solid"/>
-                      <a:round/>
-                      <a:headEnd type="none" w="med" len="med"/>
-                      <a:tailEnd type="none" w="med" len="med"/>
-                    </a:lnT>
-                    <a:lnB w="12700" cap="flat" cmpd="sng" algn="ctr">
-                      <a:solidFill>
-                        <a:schemeClr val="tx1"/>
-                      </a:solidFill>
-                      <a:prstDash val="solid"/>
-                      <a:round/>
-                      <a:headEnd type="none" w="med" len="med"/>
-                      <a:tailEnd type="none" w="med" len="med"/>
-                    </a:lnB>
-                    <a:lnTlToBr>
-                      <a:noFill/>
-                    </a:lnTlToBr>
-                    <a:lnBlToTr>
-                      <a:noFill/>
-                    </a:lnBlToTr>
-                    <a:solidFill>
-                      <a:srgbClr val="F8F8F8"/>
-                    </a:solidFill>
-                  </a:tcPr>
-                </a:tc>
-                <a:tc>
-                  <a:txBody>
-                    <a:bodyPr/>
-                    <a:lstStyle/>
-                    <a:p>
-                      <a:pPr marL="0" marR="0" lvl="0" indent="0" algn="ctr" defTabSz="749300" rtl="0" eaLnBrk="1" fontAlgn="base" latinLnBrk="0" hangingPunct="1">
-                        <a:lnSpc>
-                          <a:spcPct val="100000"/>
-                        </a:lnSpc>
-                        <a:spcBef>
-                          <a:spcPct val="20000"/>
-                        </a:spcBef>
-                        <a:spcAft>
-                          <a:spcPct val="0"/>
-                        </a:spcAft>
-                        <a:buClrTx/>
-                        <a:buSzTx/>
-                        <a:buFontTx/>
-                        <a:buNone/>
-                        <a:tabLst/>
-                      </a:pPr>
-                      <a:r>
-                        <a:rPr kumimoji="0" lang="en-US" sz="600" b="0" i="0" u="none" strike="noStrike" cap="none" normalizeH="0" baseline="0">
-                          <a:ln>
-                            <a:noFill/>
-                          </a:ln>
-                          <a:solidFill>
-                            <a:schemeClr val="tx2"/>
-                          </a:solidFill>
-                          <a:effectLst/>
-                          <a:latin typeface="Arial" charset="0"/>
-                        </a:rPr>
-                        <a:t>2000</a:t>
-                      </a:r>
-                    </a:p>
-                  </a:txBody>
-                  <a:tcPr marL="31506" marR="31506" marT="22292" marB="22292" anchor="ctr" horzOverflow="overflow">
-                    <a:lnL w="12700" cap="flat" cmpd="sng" algn="ctr">
-                      <a:solidFill>
-                        <a:schemeClr val="tx1"/>
-                      </a:solidFill>
-                      <a:prstDash val="solid"/>
-                      <a:round/>
-                      <a:headEnd type="none" w="med" len="med"/>
-                      <a:tailEnd type="none" w="med" len="med"/>
-                    </a:lnL>
-                    <a:lnR w="28575" cap="flat" cmpd="sng" algn="ctr">
-                      <a:solidFill>
-                        <a:schemeClr val="tx1"/>
-                      </a:solidFill>
-                      <a:prstDash val="solid"/>
-                      <a:round/>
-                      <a:headEnd type="none" w="med" len="med"/>
-                      <a:tailEnd type="none" w="med" len="med"/>
-                    </a:lnR>
-                    <a:lnT w="12700" cap="flat" cmpd="sng" algn="ctr">
-                      <a:solidFill>
-                        <a:schemeClr val="tx1"/>
-                      </a:solidFill>
-                      <a:prstDash val="solid"/>
-                      <a:round/>
-                      <a:headEnd type="none" w="med" len="med"/>
-                      <a:tailEnd type="none" w="med" len="med"/>
-                    </a:lnT>
-                    <a:lnB w="12700" cap="flat" cmpd="sng" algn="ctr">
-                      <a:solidFill>
-                        <a:schemeClr val="tx1"/>
-                      </a:solidFill>
-                      <a:prstDash val="solid"/>
-                      <a:round/>
-                      <a:headEnd type="none" w="med" len="med"/>
-                      <a:tailEnd type="none" w="med" len="med"/>
-                    </a:lnB>
-                    <a:lnTlToBr>
-                      <a:noFill/>
-                    </a:lnTlToBr>
-                    <a:lnBlToTr>
-                      <a:noFill/>
-                    </a:lnBlToTr>
-                    <a:solidFill>
-                      <a:srgbClr val="F8F8F8"/>
-                    </a:solidFill>
-                  </a:tcPr>
-                </a:tc>
-                <a:extLst>
-                  <a:ext uri="{0D108BD9-81ED-4DB2-BD59-A6C34878D82A}">
-                    <a16:rowId xmlns:a16="http://schemas.microsoft.com/office/drawing/2014/main" val="10001"/>
-                  </a:ext>
-                </a:extLst>
-              </a:tr>
-              <a:tr h="639530">
-                <a:tc>
-                  <a:txBody>
-                    <a:bodyPr/>
-                    <a:lstStyle/>
-                    <a:p>
-                      <a:pPr marL="0" marR="0" lvl="0" indent="0" algn="ctr" defTabSz="749300" rtl="0" eaLnBrk="1" fontAlgn="base" latinLnBrk="0" hangingPunct="1">
-                        <a:lnSpc>
-                          <a:spcPct val="100000"/>
-                        </a:lnSpc>
-                        <a:spcBef>
-                          <a:spcPct val="20000"/>
-                        </a:spcBef>
-                        <a:spcAft>
-                          <a:spcPct val="0"/>
-                        </a:spcAft>
-                        <a:buClrTx/>
-                        <a:buSzTx/>
-                        <a:buFontTx/>
-                        <a:buNone/>
-                        <a:tabLst/>
-                      </a:pPr>
-                      <a:r>
-                        <a:rPr kumimoji="0" lang="en-US" sz="600" b="0" i="0" u="none" strike="noStrike" cap="none" normalizeH="0" baseline="0">
-                          <a:ln>
-                            <a:noFill/>
-                          </a:ln>
-                          <a:solidFill>
-                            <a:schemeClr val="tx2"/>
-                          </a:solidFill>
-                          <a:effectLst/>
-                          <a:latin typeface="Arial" charset="0"/>
-                        </a:rPr>
-                        <a:t>2001</a:t>
-                      </a:r>
-                    </a:p>
-                  </a:txBody>
-                  <a:tcPr marL="31506" marR="31506" marT="22292" marB="22292" anchor="ctr" horzOverflow="overflow">
-                    <a:lnL w="28575" cap="flat" cmpd="sng" algn="ctr">
-                      <a:solidFill>
-                        <a:schemeClr val="tx1"/>
-                      </a:solidFill>
-                      <a:prstDash val="solid"/>
-                      <a:round/>
-                      <a:headEnd type="none" w="med" len="med"/>
-                      <a:tailEnd type="none" w="med" len="med"/>
-                    </a:lnL>
-                    <a:lnR w="12700" cap="flat" cmpd="sng" algn="ctr">
-                      <a:solidFill>
-                        <a:schemeClr val="tx1"/>
-                      </a:solidFill>
-                      <a:prstDash val="solid"/>
-                      <a:round/>
-                      <a:headEnd type="none" w="med" len="med"/>
-                      <a:tailEnd type="none" w="med" len="med"/>
-                    </a:lnR>
-                    <a:lnT w="12700" cap="flat" cmpd="sng" algn="ctr">
-                      <a:solidFill>
-                        <a:schemeClr val="tx1"/>
-                      </a:solidFill>
-                      <a:prstDash val="solid"/>
-                      <a:round/>
-                      <a:headEnd type="none" w="med" len="med"/>
-                      <a:tailEnd type="none" w="med" len="med"/>
-                    </a:lnT>
-                    <a:lnB w="12700" cap="flat" cmpd="sng" algn="ctr">
-                      <a:solidFill>
-                        <a:schemeClr val="tx1"/>
-                      </a:solidFill>
-                      <a:prstDash val="solid"/>
-                      <a:round/>
-                      <a:headEnd type="none" w="med" len="med"/>
-                      <a:tailEnd type="none" w="med" len="med"/>
-                    </a:lnB>
-                    <a:lnTlToBr>
-                      <a:noFill/>
-                    </a:lnTlToBr>
-                    <a:lnBlToTr>
-                      <a:noFill/>
-                    </a:lnBlToTr>
-                    <a:solidFill>
-                      <a:srgbClr val="F8F8F8"/>
-                    </a:solidFill>
-                  </a:tcPr>
-                </a:tc>
-                <a:tc>
-                  <a:txBody>
-                    <a:bodyPr/>
-                    <a:lstStyle/>
-                    <a:p>
-                      <a:pPr marL="0" marR="0" lvl="0" indent="0" algn="ctr" defTabSz="749300" rtl="0" eaLnBrk="1" fontAlgn="base" latinLnBrk="0" hangingPunct="1">
-                        <a:lnSpc>
-                          <a:spcPct val="100000"/>
-                        </a:lnSpc>
-                        <a:spcBef>
-                          <a:spcPct val="20000"/>
-                        </a:spcBef>
-                        <a:spcAft>
-                          <a:spcPct val="0"/>
-                        </a:spcAft>
-                        <a:buClrTx/>
-                        <a:buSzTx/>
-                        <a:buFontTx/>
-                        <a:buNone/>
-                        <a:tabLst/>
-                      </a:pPr>
-                      <a:r>
-                        <a:rPr kumimoji="0" lang="en-US" sz="600" b="0" i="0" u="none" strike="noStrike" cap="none" normalizeH="0" baseline="0" dirty="0">
-                          <a:ln>
-                            <a:noFill/>
-                          </a:ln>
-                          <a:solidFill>
-                            <a:schemeClr val="tx2"/>
-                          </a:solidFill>
-                          <a:effectLst/>
-                          <a:latin typeface="Arial" charset="0"/>
-                        </a:rPr>
-                        <a:t>2002</a:t>
-                      </a:r>
-                    </a:p>
-                  </a:txBody>
-                  <a:tcPr marL="31506" marR="31506" marT="22292" marB="22292" anchor="ctr" horzOverflow="overflow">
-                    <a:lnL w="12700" cap="flat" cmpd="sng" algn="ctr">
-                      <a:solidFill>
-                        <a:schemeClr val="tx1"/>
-                      </a:solidFill>
-                      <a:prstDash val="solid"/>
-                      <a:round/>
-                      <a:headEnd type="none" w="med" len="med"/>
-                      <a:tailEnd type="none" w="med" len="med"/>
-                    </a:lnL>
-                    <a:lnR w="12700" cap="flat" cmpd="sng" algn="ctr">
-                      <a:solidFill>
-                        <a:schemeClr val="tx1"/>
-                      </a:solidFill>
-                      <a:prstDash val="solid"/>
-                      <a:round/>
-                      <a:headEnd type="none" w="med" len="med"/>
-                      <a:tailEnd type="none" w="med" len="med"/>
-                    </a:lnR>
-                    <a:lnT w="12700" cap="flat" cmpd="sng" algn="ctr">
-                      <a:solidFill>
-                        <a:schemeClr val="tx1"/>
-                      </a:solidFill>
-                      <a:prstDash val="solid"/>
-                      <a:round/>
-                      <a:headEnd type="none" w="med" len="med"/>
-                      <a:tailEnd type="none" w="med" len="med"/>
-                    </a:lnT>
-                    <a:lnB w="12700" cap="flat" cmpd="sng" algn="ctr">
-                      <a:solidFill>
-                        <a:schemeClr val="tx1"/>
-                      </a:solidFill>
-                      <a:prstDash val="solid"/>
-                      <a:round/>
-                      <a:headEnd type="none" w="med" len="med"/>
-                      <a:tailEnd type="none" w="med" len="med"/>
-                    </a:lnB>
-                    <a:lnTlToBr>
-                      <a:noFill/>
-                    </a:lnTlToBr>
-                    <a:lnBlToTr>
-                      <a:noFill/>
-                    </a:lnBlToTr>
-                    <a:solidFill>
-                      <a:srgbClr val="F8F8F8"/>
-                    </a:solidFill>
-                  </a:tcPr>
-                </a:tc>
-                <a:tc>
-                  <a:txBody>
-                    <a:bodyPr/>
-                    <a:lstStyle/>
-                    <a:p>
-                      <a:pPr marL="0" marR="0" lvl="0" indent="0" algn="ctr" defTabSz="749300" rtl="0" eaLnBrk="1" fontAlgn="base" latinLnBrk="0" hangingPunct="1">
-                        <a:lnSpc>
-                          <a:spcPct val="100000"/>
-                        </a:lnSpc>
-                        <a:spcBef>
-                          <a:spcPct val="20000"/>
-                        </a:spcBef>
-                        <a:spcAft>
-                          <a:spcPct val="0"/>
-                        </a:spcAft>
-                        <a:buClrTx/>
-                        <a:buSzTx/>
-                        <a:buFontTx/>
-                        <a:buNone/>
-                        <a:tabLst/>
-                      </a:pPr>
-                      <a:r>
-                        <a:rPr kumimoji="0" lang="en-US" sz="600" b="0" i="0" u="none" strike="noStrike" cap="none" normalizeH="0" baseline="0" dirty="0">
-                          <a:ln>
-                            <a:noFill/>
-                          </a:ln>
-                          <a:solidFill>
-                            <a:schemeClr val="tx2"/>
-                          </a:solidFill>
-                          <a:effectLst/>
-                          <a:latin typeface="Arial" charset="0"/>
-                        </a:rPr>
-                        <a:t>2003</a:t>
-                      </a:r>
-                    </a:p>
-                  </a:txBody>
-                  <a:tcPr marL="31506" marR="31506" marT="22292" marB="22292" anchor="ctr" horzOverflow="overflow">
-                    <a:lnL w="12700" cap="flat" cmpd="sng" algn="ctr">
-                      <a:solidFill>
-                        <a:schemeClr val="tx1"/>
-                      </a:solidFill>
-                      <a:prstDash val="solid"/>
-                      <a:round/>
-                      <a:headEnd type="none" w="med" len="med"/>
-                      <a:tailEnd type="none" w="med" len="med"/>
-                    </a:lnL>
-                    <a:lnR w="28575" cap="flat" cmpd="sng" algn="ctr">
-                      <a:solidFill>
-                        <a:schemeClr val="tx1"/>
-                      </a:solidFill>
-                      <a:prstDash val="solid"/>
-                      <a:round/>
-                      <a:headEnd type="none" w="med" len="med"/>
-                      <a:tailEnd type="none" w="med" len="med"/>
-                    </a:lnR>
-                    <a:lnT w="12700" cap="flat" cmpd="sng" algn="ctr">
-                      <a:solidFill>
-                        <a:schemeClr val="tx1"/>
-                      </a:solidFill>
-                      <a:prstDash val="solid"/>
-                      <a:round/>
-                      <a:headEnd type="none" w="med" len="med"/>
-                      <a:tailEnd type="none" w="med" len="med"/>
-                    </a:lnT>
-                    <a:lnB w="12700" cap="flat" cmpd="sng" algn="ctr">
-                      <a:solidFill>
-                        <a:schemeClr val="tx1"/>
-                      </a:solidFill>
-                      <a:prstDash val="solid"/>
-                      <a:round/>
-                      <a:headEnd type="none" w="med" len="med"/>
-                      <a:tailEnd type="none" w="med" len="med"/>
-                    </a:lnB>
-                    <a:lnTlToBr>
-                      <a:noFill/>
-                    </a:lnTlToBr>
-                    <a:lnBlToTr>
-                      <a:noFill/>
-                    </a:lnBlToTr>
-                    <a:solidFill>
-                      <a:srgbClr val="F8F8F8"/>
-                    </a:solidFill>
-                  </a:tcPr>
-                </a:tc>
-                <a:extLst>
-                  <a:ext uri="{0D108BD9-81ED-4DB2-BD59-A6C34878D82A}">
-                    <a16:rowId xmlns:a16="http://schemas.microsoft.com/office/drawing/2014/main" val="10002"/>
-                  </a:ext>
-                </a:extLst>
-              </a:tr>
-              <a:tr h="637095">
-                <a:tc>
-                  <a:txBody>
-                    <a:bodyPr/>
-                    <a:lstStyle/>
-                    <a:p>
-                      <a:pPr marL="0" marR="0" lvl="0" indent="0" algn="ctr" defTabSz="749300" rtl="0" eaLnBrk="1" fontAlgn="base" latinLnBrk="0" hangingPunct="1">
-                        <a:lnSpc>
-                          <a:spcPct val="100000"/>
-                        </a:lnSpc>
-                        <a:spcBef>
-                          <a:spcPct val="20000"/>
-                        </a:spcBef>
-                        <a:spcAft>
-                          <a:spcPct val="0"/>
-                        </a:spcAft>
-                        <a:buClrTx/>
-                        <a:buSzTx/>
-                        <a:buFontTx/>
-                        <a:buNone/>
-                        <a:tabLst/>
-                      </a:pPr>
-                      <a:r>
-                        <a:rPr kumimoji="0" lang="en-US" sz="600" b="0" i="0" u="none" strike="noStrike" cap="none" normalizeH="0" baseline="0">
-                          <a:ln>
-                            <a:noFill/>
-                          </a:ln>
-                          <a:solidFill>
-                            <a:schemeClr val="tx2"/>
-                          </a:solidFill>
-                          <a:effectLst/>
-                          <a:latin typeface="Arial" charset="0"/>
-                        </a:rPr>
-                        <a:t>2004</a:t>
-                      </a:r>
-                    </a:p>
-                  </a:txBody>
-                  <a:tcPr marL="31506" marR="31506" marT="22292" marB="22292" anchor="ctr" horzOverflow="overflow">
-                    <a:lnL w="28575" cap="flat" cmpd="sng" algn="ctr">
-                      <a:solidFill>
-                        <a:schemeClr val="tx1"/>
-                      </a:solidFill>
-                      <a:prstDash val="solid"/>
-                      <a:round/>
-                      <a:headEnd type="none" w="med" len="med"/>
-                      <a:tailEnd type="none" w="med" len="med"/>
-                    </a:lnL>
-                    <a:lnR w="12700" cap="flat" cmpd="sng" algn="ctr">
-                      <a:solidFill>
-                        <a:schemeClr val="tx1"/>
-                      </a:solidFill>
-                      <a:prstDash val="solid"/>
-                      <a:round/>
-                      <a:headEnd type="none" w="med" len="med"/>
-                      <a:tailEnd type="none" w="med" len="med"/>
-                    </a:lnR>
-                    <a:lnT w="12700" cap="flat" cmpd="sng" algn="ctr">
-                      <a:solidFill>
-                        <a:schemeClr val="tx1"/>
-                      </a:solidFill>
-                      <a:prstDash val="solid"/>
-                      <a:round/>
-                      <a:headEnd type="none" w="med" len="med"/>
-                      <a:tailEnd type="none" w="med" len="med"/>
-                    </a:lnT>
-                    <a:lnB w="28575" cap="flat" cmpd="sng" algn="ctr">
-                      <a:solidFill>
-                        <a:schemeClr val="tx1"/>
-                      </a:solidFill>
-                      <a:prstDash val="solid"/>
-                      <a:round/>
-                      <a:headEnd type="none" w="med" len="med"/>
-                      <a:tailEnd type="none" w="med" len="med"/>
-                    </a:lnB>
-                    <a:lnTlToBr>
-                      <a:noFill/>
-                    </a:lnTlToBr>
-                    <a:lnBlToTr>
-                      <a:noFill/>
-                    </a:lnBlToTr>
-                    <a:solidFill>
-                      <a:srgbClr val="F8F8F8"/>
-                    </a:solidFill>
-                  </a:tcPr>
-                </a:tc>
-                <a:tc>
-                  <a:txBody>
-                    <a:bodyPr/>
-                    <a:lstStyle/>
-                    <a:p>
-                      <a:pPr marL="0" marR="0" lvl="0" indent="0" algn="ctr" defTabSz="749300" rtl="0" eaLnBrk="1" fontAlgn="base" latinLnBrk="0" hangingPunct="1">
-                        <a:lnSpc>
-                          <a:spcPct val="100000"/>
-                        </a:lnSpc>
-                        <a:spcBef>
-                          <a:spcPct val="20000"/>
-                        </a:spcBef>
-                        <a:spcAft>
-                          <a:spcPct val="0"/>
-                        </a:spcAft>
-                        <a:buClrTx/>
-                        <a:buSzTx/>
-                        <a:buFontTx/>
-                        <a:buNone/>
-                        <a:tabLst/>
-                      </a:pPr>
-                      <a:r>
-                        <a:rPr kumimoji="0" lang="en-US" sz="600" b="0" i="0" u="none" strike="noStrike" cap="none" normalizeH="0" baseline="0">
-                          <a:ln>
-                            <a:noFill/>
-                          </a:ln>
-                          <a:solidFill>
-                            <a:schemeClr val="tx2"/>
-                          </a:solidFill>
-                          <a:effectLst/>
-                          <a:latin typeface="Arial" charset="0"/>
-                        </a:rPr>
-                        <a:t>2005</a:t>
-                      </a:r>
-                    </a:p>
-                  </a:txBody>
-                  <a:tcPr marL="31506" marR="31506" marT="22292" marB="22292" anchor="ctr" horzOverflow="overflow">
-                    <a:lnL w="12700" cap="flat" cmpd="sng" algn="ctr">
-                      <a:solidFill>
-                        <a:schemeClr val="tx1"/>
-                      </a:solidFill>
-                      <a:prstDash val="solid"/>
-                      <a:round/>
-                      <a:headEnd type="none" w="med" len="med"/>
-                      <a:tailEnd type="none" w="med" len="med"/>
-                    </a:lnL>
-                    <a:lnR w="12700" cap="flat" cmpd="sng" algn="ctr">
-                      <a:solidFill>
-                        <a:schemeClr val="tx1"/>
-                      </a:solidFill>
-                      <a:prstDash val="solid"/>
-                      <a:round/>
-                      <a:headEnd type="none" w="med" len="med"/>
-                      <a:tailEnd type="none" w="med" len="med"/>
-                    </a:lnR>
-                    <a:lnT w="12700" cap="flat" cmpd="sng" algn="ctr">
-                      <a:solidFill>
-                        <a:schemeClr val="tx1"/>
-                      </a:solidFill>
-                      <a:prstDash val="solid"/>
-                      <a:round/>
-                      <a:headEnd type="none" w="med" len="med"/>
-                      <a:tailEnd type="none" w="med" len="med"/>
-                    </a:lnT>
-                    <a:lnB w="28575" cap="flat" cmpd="sng" algn="ctr">
-                      <a:solidFill>
-                        <a:schemeClr val="tx1"/>
-                      </a:solidFill>
-                      <a:prstDash val="solid"/>
-                      <a:round/>
-                      <a:headEnd type="none" w="med" len="med"/>
-                      <a:tailEnd type="none" w="med" len="med"/>
-                    </a:lnB>
-                    <a:lnTlToBr>
-                      <a:noFill/>
-                    </a:lnTlToBr>
-                    <a:lnBlToTr>
-                      <a:noFill/>
-                    </a:lnBlToTr>
-                    <a:solidFill>
-                      <a:srgbClr val="F8F8F8"/>
-                    </a:solidFill>
-                  </a:tcPr>
-                </a:tc>
-                <a:tc>
-                  <a:txBody>
-                    <a:bodyPr/>
-                    <a:lstStyle/>
-                    <a:p>
-                      <a:pPr marL="0" marR="0" lvl="0" indent="0" algn="ctr" defTabSz="749300" rtl="0" eaLnBrk="1" fontAlgn="base" latinLnBrk="0" hangingPunct="1">
-                        <a:lnSpc>
-                          <a:spcPct val="100000"/>
-                        </a:lnSpc>
-                        <a:spcBef>
-                          <a:spcPct val="20000"/>
-                        </a:spcBef>
-                        <a:spcAft>
-                          <a:spcPct val="0"/>
-                        </a:spcAft>
-                        <a:buClrTx/>
-                        <a:buSzTx/>
-                        <a:buFontTx/>
-                        <a:buNone/>
-                        <a:tabLst/>
-                      </a:pPr>
-                      <a:r>
-                        <a:rPr kumimoji="0" lang="en-US" sz="600" b="0" i="0" u="none" strike="noStrike" cap="none" normalizeH="0" baseline="0" dirty="0">
-                          <a:ln>
-                            <a:noFill/>
-                          </a:ln>
-                          <a:solidFill>
-                            <a:schemeClr val="tx2"/>
-                          </a:solidFill>
-                          <a:effectLst/>
-                          <a:latin typeface="Arial" charset="0"/>
-                        </a:rPr>
-                        <a:t>2006</a:t>
-                      </a:r>
-                    </a:p>
-                  </a:txBody>
-                  <a:tcPr marL="31506" marR="31506" marT="22292" marB="22292" anchor="ctr" horzOverflow="overflow">
-                    <a:lnL w="12700" cap="flat" cmpd="sng" algn="ctr">
-                      <a:solidFill>
-                        <a:schemeClr val="tx1"/>
-                      </a:solidFill>
-                      <a:prstDash val="solid"/>
-                      <a:round/>
-                      <a:headEnd type="none" w="med" len="med"/>
-                      <a:tailEnd type="none" w="med" len="med"/>
-                    </a:lnL>
-                    <a:lnR w="28575" cap="flat" cmpd="sng" algn="ctr">
-                      <a:solidFill>
-                        <a:schemeClr val="tx1"/>
-                      </a:solidFill>
-                      <a:prstDash val="solid"/>
-                      <a:round/>
-                      <a:headEnd type="none" w="med" len="med"/>
-                      <a:tailEnd type="none" w="med" len="med"/>
-                    </a:lnR>
-                    <a:lnT w="12700" cap="flat" cmpd="sng" algn="ctr">
-                      <a:solidFill>
-                        <a:schemeClr val="tx1"/>
-                      </a:solidFill>
-                      <a:prstDash val="solid"/>
-                      <a:round/>
-                      <a:headEnd type="none" w="med" len="med"/>
-                      <a:tailEnd type="none" w="med" len="med"/>
-                    </a:lnT>
-                    <a:lnB w="28575" cap="flat" cmpd="sng" algn="ctr">
-                      <a:solidFill>
-                        <a:schemeClr val="tx1"/>
-                      </a:solidFill>
-                      <a:prstDash val="solid"/>
-                      <a:round/>
-                      <a:headEnd type="none" w="med" len="med"/>
-                      <a:tailEnd type="none" w="med" len="med"/>
-                    </a:lnB>
-                    <a:lnTlToBr>
-                      <a:noFill/>
-                    </a:lnTlToBr>
-                    <a:lnBlToTr>
-                      <a:noFill/>
-                    </a:lnBlToTr>
-                    <a:solidFill>
-                      <a:srgbClr val="F8F8F8"/>
-                    </a:solidFill>
-                  </a:tcPr>
-                </a:tc>
-                <a:extLst>
-                  <a:ext uri="{0D108BD9-81ED-4DB2-BD59-A6C34878D82A}">
-                    <a16:rowId xmlns:a16="http://schemas.microsoft.com/office/drawing/2014/main" val="10003"/>
-                  </a:ext>
-                </a:extLst>
-              </a:tr>
-            </a:tbl>
-          </a:graphicData>
-        </a:graphic>
-      </p:graphicFrame>
       <p:sp>
         <p:nvSpPr>
           <p:cNvPr id="4125" name="Text Box 545"/>
@@ -10740,172 +9768,6 @@
       </p:sp>
       <p:sp>
         <p:nvSpPr>
-          <p:cNvPr id="4126" name="Text Box 546"/>
-          <p:cNvSpPr txBox="1">
-            <a:spLocks noChangeArrowheads="1"/>
-          </p:cNvSpPr>
-          <p:nvPr/>
-        </p:nvSpPr>
-        <p:spPr bwMode="auto">
-          <a:xfrm>
-            <a:off x="5300663" y="12448251"/>
-            <a:ext cx="4652962" cy="1485900"/>
-          </a:xfrm>
-          <a:prstGeom prst="rect">
-            <a:avLst/>
-          </a:prstGeom>
-          <a:noFill/>
-          <a:ln>
-            <a:noFill/>
-          </a:ln>
-          <a:extLst>
-            <a:ext uri="{909E8E84-426E-40DD-AFC4-6F175D3DCCD1}">
-              <a14:hiddenFill xmlns:a14="http://schemas.microsoft.com/office/drawing/2010/main">
-                <a:solidFill>
-                  <a:srgbClr val="FFFFFF"/>
-                </a:solidFill>
-              </a14:hiddenFill>
-            </a:ext>
-            <a:ext uri="{91240B29-F687-4F45-9708-019B960494DF}">
-              <a14:hiddenLine xmlns:a14="http://schemas.microsoft.com/office/drawing/2010/main" w="9525">
-                <a:solidFill>
-                  <a:srgbClr val="000000"/>
-                </a:solidFill>
-                <a:miter lim="800000"/>
-                <a:headEnd/>
-                <a:tailEnd/>
-              </a14:hiddenLine>
-            </a:ext>
-          </a:extLst>
-        </p:spPr>
-        <p:txBody>
-          <a:bodyPr lIns="187308" tIns="187308" rIns="187308" bIns="187308">
-            <a:spAutoFit/>
-          </a:bodyPr>
-          <a:lstStyle>
-            <a:lvl1pPr defTabSz="1797050" eaLnBrk="0" hangingPunct="0">
-              <a:defRPr sz="1200">
-                <a:solidFill>
-                  <a:schemeClr val="tx1"/>
-                </a:solidFill>
-                <a:latin typeface="Arial Narrow" pitchFamily="34" charset="0"/>
-                <a:ea typeface="MS PGothic" pitchFamily="34" charset="-128"/>
-              </a:defRPr>
-            </a:lvl1pPr>
-            <a:lvl2pPr marL="742950" indent="-285750" defTabSz="1797050" eaLnBrk="0" hangingPunct="0">
-              <a:defRPr sz="1200">
-                <a:solidFill>
-                  <a:schemeClr val="tx1"/>
-                </a:solidFill>
-                <a:latin typeface="Arial Narrow" pitchFamily="34" charset="0"/>
-                <a:ea typeface="MS PGothic" pitchFamily="34" charset="-128"/>
-              </a:defRPr>
-            </a:lvl2pPr>
-            <a:lvl3pPr marL="1143000" indent="-228600" defTabSz="1797050" eaLnBrk="0" hangingPunct="0">
-              <a:defRPr sz="1200">
-                <a:solidFill>
-                  <a:schemeClr val="tx1"/>
-                </a:solidFill>
-                <a:latin typeface="Arial Narrow" pitchFamily="34" charset="0"/>
-                <a:ea typeface="MS PGothic" pitchFamily="34" charset="-128"/>
-              </a:defRPr>
-            </a:lvl3pPr>
-            <a:lvl4pPr marL="1600200" indent="-228600" defTabSz="1797050" eaLnBrk="0" hangingPunct="0">
-              <a:defRPr sz="1200">
-                <a:solidFill>
-                  <a:schemeClr val="tx1"/>
-                </a:solidFill>
-                <a:latin typeface="Arial Narrow" pitchFamily="34" charset="0"/>
-                <a:ea typeface="MS PGothic" pitchFamily="34" charset="-128"/>
-              </a:defRPr>
-            </a:lvl4pPr>
-            <a:lvl5pPr marL="2057400" indent="-228600" defTabSz="1797050" eaLnBrk="0" hangingPunct="0">
-              <a:defRPr sz="1200">
-                <a:solidFill>
-                  <a:schemeClr val="tx1"/>
-                </a:solidFill>
-                <a:latin typeface="Arial Narrow" pitchFamily="34" charset="0"/>
-                <a:ea typeface="MS PGothic" pitchFamily="34" charset="-128"/>
-              </a:defRPr>
-            </a:lvl5pPr>
-            <a:lvl6pPr marL="2514600" indent="-228600" defTabSz="1797050" eaLnBrk="0" fontAlgn="base" hangingPunct="0">
-              <a:spcBef>
-                <a:spcPct val="0"/>
-              </a:spcBef>
-              <a:spcAft>
-                <a:spcPct val="0"/>
-              </a:spcAft>
-              <a:defRPr sz="1200">
-                <a:solidFill>
-                  <a:schemeClr val="tx1"/>
-                </a:solidFill>
-                <a:latin typeface="Arial Narrow" pitchFamily="34" charset="0"/>
-                <a:ea typeface="MS PGothic" pitchFamily="34" charset="-128"/>
-              </a:defRPr>
-            </a:lvl6pPr>
-            <a:lvl7pPr marL="2971800" indent="-228600" defTabSz="1797050" eaLnBrk="0" fontAlgn="base" hangingPunct="0">
-              <a:spcBef>
-                <a:spcPct val="0"/>
-              </a:spcBef>
-              <a:spcAft>
-                <a:spcPct val="0"/>
-              </a:spcAft>
-              <a:defRPr sz="1200">
-                <a:solidFill>
-                  <a:schemeClr val="tx1"/>
-                </a:solidFill>
-                <a:latin typeface="Arial Narrow" pitchFamily="34" charset="0"/>
-                <a:ea typeface="MS PGothic" pitchFamily="34" charset="-128"/>
-              </a:defRPr>
-            </a:lvl7pPr>
-            <a:lvl8pPr marL="3429000" indent="-228600" defTabSz="1797050" eaLnBrk="0" fontAlgn="base" hangingPunct="0">
-              <a:spcBef>
-                <a:spcPct val="0"/>
-              </a:spcBef>
-              <a:spcAft>
-                <a:spcPct val="0"/>
-              </a:spcAft>
-              <a:defRPr sz="1200">
-                <a:solidFill>
-                  <a:schemeClr val="tx1"/>
-                </a:solidFill>
-                <a:latin typeface="Arial Narrow" pitchFamily="34" charset="0"/>
-                <a:ea typeface="MS PGothic" pitchFamily="34" charset="-128"/>
-              </a:defRPr>
-            </a:lvl8pPr>
-            <a:lvl9pPr marL="3886200" indent="-228600" defTabSz="1797050" eaLnBrk="0" fontAlgn="base" hangingPunct="0">
-              <a:spcBef>
-                <a:spcPct val="0"/>
-              </a:spcBef>
-              <a:spcAft>
-                <a:spcPct val="0"/>
-              </a:spcAft>
-              <a:defRPr sz="1200">
-                <a:solidFill>
-                  <a:schemeClr val="tx1"/>
-                </a:solidFill>
-                <a:latin typeface="Arial Narrow" pitchFamily="34" charset="0"/>
-                <a:ea typeface="MS PGothic" pitchFamily="34" charset="-128"/>
-              </a:defRPr>
-            </a:lvl9pPr>
-          </a:lstStyle>
-          <a:p>
-            <a:pPr algn="just" eaLnBrk="1" hangingPunct="1"/>
-            <a:r>
-              <a:rPr lang="en-US" sz="2400" dirty="0">
-                <a:solidFill>
-                  <a:schemeClr val="tx2"/>
-                </a:solidFill>
-                <a:latin typeface="Times New Roman" pitchFamily="18" charset="0"/>
-                <a:cs typeface="Times New Roman" pitchFamily="18" charset="0"/>
-              </a:rPr>
-              <a:t>Findings or Results of the  algorithms used can be shown in this section  </a:t>
-            </a:r>
-          </a:p>
-        </p:txBody>
-      </p:sp>
-      <p:sp>
-        <p:nvSpPr>
           <p:cNvPr id="4127" name="Text Box 561"/>
           <p:cNvSpPr txBox="1">
             <a:spLocks noChangeArrowheads="1"/>
@@ -10914,8 +9776,8 @@
         </p:nvSpPr>
         <p:spPr bwMode="auto">
           <a:xfrm>
-            <a:off x="5248276" y="16693001"/>
-            <a:ext cx="4641056" cy="406400"/>
+            <a:off x="10118249" y="10610389"/>
+            <a:ext cx="4666475" cy="406400"/>
           </a:xfrm>
           <a:prstGeom prst="rect">
             <a:avLst/>
@@ -11057,15 +9919,22 @@
               </a:spcBef>
             </a:pPr>
             <a:r>
-              <a:rPr lang="en-US" sz="2400" b="1" dirty="0">
+              <a:rPr lang="en-US" altLang="zh-CN" sz="2400" b="1" dirty="0">
                 <a:solidFill>
                   <a:schemeClr val="bg1"/>
                 </a:solidFill>
                 <a:latin typeface="Times New Roman" pitchFamily="18" charset="0"/>
                 <a:cs typeface="Times New Roman" pitchFamily="18" charset="0"/>
               </a:rPr>
-              <a:t>Conclusion  / Discussions</a:t>
-            </a:r>
+              <a:t>Validation</a:t>
+            </a:r>
+            <a:endParaRPr lang="en-US" sz="2400" b="1" dirty="0">
+              <a:solidFill>
+                <a:schemeClr val="bg1"/>
+              </a:solidFill>
+              <a:latin typeface="Times New Roman" pitchFamily="18" charset="0"/>
+              <a:cs typeface="Times New Roman" pitchFamily="18" charset="0"/>
+            </a:endParaRPr>
           </a:p>
         </p:txBody>
       </p:sp>
@@ -11079,7 +9948,7 @@
         </p:nvSpPr>
         <p:spPr bwMode="auto">
           <a:xfrm>
-            <a:off x="10171113" y="11097887"/>
+            <a:off x="10130790" y="18209477"/>
             <a:ext cx="4656138" cy="407987"/>
           </a:xfrm>
           <a:prstGeom prst="rect">
@@ -11222,7 +10091,7 @@
               </a:spcBef>
             </a:pPr>
             <a:r>
-              <a:rPr lang="en-US" sz="2400" b="1">
+              <a:rPr lang="en-US" sz="2400" b="1" dirty="0">
                 <a:solidFill>
                   <a:schemeClr val="bg1"/>
                 </a:solidFill>
@@ -11236,7 +10105,7 @@
       </p:sp>
       <p:sp>
         <p:nvSpPr>
-          <p:cNvPr id="4130" name="Text Box 564"/>
+          <p:cNvPr id="4131" name="Text Box 565"/>
           <p:cNvSpPr txBox="1">
             <a:spLocks noChangeArrowheads="1"/>
           </p:cNvSpPr>
@@ -11244,8 +10113,8 @@
         </p:nvSpPr>
         <p:spPr bwMode="auto">
           <a:xfrm>
-            <a:off x="5199063" y="17112079"/>
-            <a:ext cx="4632325" cy="3702261"/>
+            <a:off x="10118249" y="16365419"/>
+            <a:ext cx="4632325" cy="1917157"/>
           </a:xfrm>
           <a:prstGeom prst="rect">
             <a:avLst/>
@@ -11388,226 +10257,7 @@
           <a:p>
             <a:pPr algn="just"/>
             <a:r>
-              <a:rPr lang="en-IN" sz="2400" dirty="0">
-                <a:solidFill>
-                  <a:schemeClr val="tx2"/>
-                </a:solidFill>
-                <a:latin typeface="Times New Roman" pitchFamily="18" charset="0"/>
-                <a:cs typeface="Times New Roman" pitchFamily="18" charset="0"/>
-              </a:rPr>
-              <a:t>In object-oriented programming, every class is characterized by a class invariant. Class invariants are conditions that all objects of that class must satisfy while it can be observable by clients. It is a great idea to use them  to ensure objects are always presented to their clients in a consistent state. </a:t>
-            </a:r>
-          </a:p>
-        </p:txBody>
-      </p:sp>
-      <p:sp>
-        <p:nvSpPr>
-          <p:cNvPr id="4131" name="Text Box 565"/>
-          <p:cNvSpPr txBox="1">
-            <a:spLocks noChangeArrowheads="1"/>
-          </p:cNvSpPr>
-          <p:nvPr/>
-        </p:nvSpPr>
-        <p:spPr bwMode="auto">
-          <a:xfrm>
-            <a:off x="10087518" y="3554027"/>
-            <a:ext cx="4632325" cy="7395580"/>
-          </a:xfrm>
-          <a:prstGeom prst="rect">
-            <a:avLst/>
-          </a:prstGeom>
-          <a:noFill/>
-          <a:ln>
-            <a:noFill/>
-          </a:ln>
-          <a:extLst>
-            <a:ext uri="{909E8E84-426E-40DD-AFC4-6F175D3DCCD1}">
-              <a14:hiddenFill xmlns:a14="http://schemas.microsoft.com/office/drawing/2010/main">
-                <a:solidFill>
-                  <a:srgbClr val="FFFFFF"/>
-                </a:solidFill>
-              </a14:hiddenFill>
-            </a:ext>
-            <a:ext uri="{91240B29-F687-4F45-9708-019B960494DF}">
-              <a14:hiddenLine xmlns:a14="http://schemas.microsoft.com/office/drawing/2010/main" w="9525">
-                <a:solidFill>
-                  <a:srgbClr val="000000"/>
-                </a:solidFill>
-                <a:miter lim="800000"/>
-                <a:headEnd/>
-                <a:tailEnd/>
-              </a14:hiddenLine>
-            </a:ext>
-          </a:extLst>
-        </p:spPr>
-        <p:txBody>
-          <a:bodyPr lIns="187308" tIns="187308" rIns="187308" bIns="187308">
-            <a:spAutoFit/>
-          </a:bodyPr>
-          <a:lstStyle>
-            <a:lvl1pPr defTabSz="1797050" eaLnBrk="0" hangingPunct="0">
-              <a:defRPr sz="1200">
-                <a:solidFill>
-                  <a:schemeClr val="tx1"/>
-                </a:solidFill>
-                <a:latin typeface="Arial Narrow" pitchFamily="34" charset="0"/>
-                <a:ea typeface="MS PGothic" pitchFamily="34" charset="-128"/>
-              </a:defRPr>
-            </a:lvl1pPr>
-            <a:lvl2pPr marL="742950" indent="-285750" defTabSz="1797050" eaLnBrk="0" hangingPunct="0">
-              <a:defRPr sz="1200">
-                <a:solidFill>
-                  <a:schemeClr val="tx1"/>
-                </a:solidFill>
-                <a:latin typeface="Arial Narrow" pitchFamily="34" charset="0"/>
-                <a:ea typeface="MS PGothic" pitchFamily="34" charset="-128"/>
-              </a:defRPr>
-            </a:lvl2pPr>
-            <a:lvl3pPr marL="1143000" indent="-228600" defTabSz="1797050" eaLnBrk="0" hangingPunct="0">
-              <a:defRPr sz="1200">
-                <a:solidFill>
-                  <a:schemeClr val="tx1"/>
-                </a:solidFill>
-                <a:latin typeface="Arial Narrow" pitchFamily="34" charset="0"/>
-                <a:ea typeface="MS PGothic" pitchFamily="34" charset="-128"/>
-              </a:defRPr>
-            </a:lvl3pPr>
-            <a:lvl4pPr marL="1600200" indent="-228600" defTabSz="1797050" eaLnBrk="0" hangingPunct="0">
-              <a:defRPr sz="1200">
-                <a:solidFill>
-                  <a:schemeClr val="tx1"/>
-                </a:solidFill>
-                <a:latin typeface="Arial Narrow" pitchFamily="34" charset="0"/>
-                <a:ea typeface="MS PGothic" pitchFamily="34" charset="-128"/>
-              </a:defRPr>
-            </a:lvl4pPr>
-            <a:lvl5pPr marL="2057400" indent="-228600" defTabSz="1797050" eaLnBrk="0" hangingPunct="0">
-              <a:defRPr sz="1200">
-                <a:solidFill>
-                  <a:schemeClr val="tx1"/>
-                </a:solidFill>
-                <a:latin typeface="Arial Narrow" pitchFamily="34" charset="0"/>
-                <a:ea typeface="MS PGothic" pitchFamily="34" charset="-128"/>
-              </a:defRPr>
-            </a:lvl5pPr>
-            <a:lvl6pPr marL="2514600" indent="-228600" defTabSz="1797050" eaLnBrk="0" fontAlgn="base" hangingPunct="0">
-              <a:spcBef>
-                <a:spcPct val="0"/>
-              </a:spcBef>
-              <a:spcAft>
-                <a:spcPct val="0"/>
-              </a:spcAft>
-              <a:defRPr sz="1200">
-                <a:solidFill>
-                  <a:schemeClr val="tx1"/>
-                </a:solidFill>
-                <a:latin typeface="Arial Narrow" pitchFamily="34" charset="0"/>
-                <a:ea typeface="MS PGothic" pitchFamily="34" charset="-128"/>
-              </a:defRPr>
-            </a:lvl6pPr>
-            <a:lvl7pPr marL="2971800" indent="-228600" defTabSz="1797050" eaLnBrk="0" fontAlgn="base" hangingPunct="0">
-              <a:spcBef>
-                <a:spcPct val="0"/>
-              </a:spcBef>
-              <a:spcAft>
-                <a:spcPct val="0"/>
-              </a:spcAft>
-              <a:defRPr sz="1200">
-                <a:solidFill>
-                  <a:schemeClr val="tx1"/>
-                </a:solidFill>
-                <a:latin typeface="Arial Narrow" pitchFamily="34" charset="0"/>
-                <a:ea typeface="MS PGothic" pitchFamily="34" charset="-128"/>
-              </a:defRPr>
-            </a:lvl7pPr>
-            <a:lvl8pPr marL="3429000" indent="-228600" defTabSz="1797050" eaLnBrk="0" fontAlgn="base" hangingPunct="0">
-              <a:spcBef>
-                <a:spcPct val="0"/>
-              </a:spcBef>
-              <a:spcAft>
-                <a:spcPct val="0"/>
-              </a:spcAft>
-              <a:defRPr sz="1200">
-                <a:solidFill>
-                  <a:schemeClr val="tx1"/>
-                </a:solidFill>
-                <a:latin typeface="Arial Narrow" pitchFamily="34" charset="0"/>
-                <a:ea typeface="MS PGothic" pitchFamily="34" charset="-128"/>
-              </a:defRPr>
-            </a:lvl8pPr>
-            <a:lvl9pPr marL="3886200" indent="-228600" defTabSz="1797050" eaLnBrk="0" fontAlgn="base" hangingPunct="0">
-              <a:spcBef>
-                <a:spcPct val="0"/>
-              </a:spcBef>
-              <a:spcAft>
-                <a:spcPct val="0"/>
-              </a:spcAft>
-              <a:defRPr sz="1200">
-                <a:solidFill>
-                  <a:schemeClr val="tx1"/>
-                </a:solidFill>
-                <a:latin typeface="Arial Narrow" pitchFamily="34" charset="0"/>
-                <a:ea typeface="MS PGothic" pitchFamily="34" charset="-128"/>
-              </a:defRPr>
-            </a:lvl9pPr>
-          </a:lstStyle>
-          <a:p>
-            <a:pPr algn="just"/>
-            <a:r>
-              <a:rPr lang="en-NZ" altLang="zh-CN" sz="2400" dirty="0">
-                <a:solidFill>
-                  <a:schemeClr val="tx2"/>
-                </a:solidFill>
-                <a:latin typeface="Times New Roman" pitchFamily="18" charset="0"/>
-                <a:cs typeface="Times New Roman" pitchFamily="18" charset="0"/>
-              </a:rPr>
-              <a:t>Interactions are a common mechanism for describing systems that can be understood and produced.[3]</a:t>
-            </a:r>
-            <a:r>
-              <a:rPr lang="zh-CN" altLang="en-US" sz="2400" dirty="0">
-                <a:solidFill>
-                  <a:schemeClr val="tx2"/>
-                </a:solidFill>
-                <a:latin typeface="Times New Roman" pitchFamily="18" charset="0"/>
-                <a:cs typeface="Times New Roman" pitchFamily="18" charset="0"/>
-              </a:rPr>
-              <a:t> </a:t>
-            </a:r>
-            <a:r>
-              <a:rPr lang="en-US" altLang="zh-CN" sz="2400" dirty="0">
-                <a:solidFill>
-                  <a:schemeClr val="tx2"/>
-                </a:solidFill>
-                <a:latin typeface="Times New Roman" pitchFamily="18" charset="0"/>
-                <a:cs typeface="Times New Roman" pitchFamily="18" charset="0"/>
-              </a:rPr>
-              <a:t>This assignment focused on validating a model for petrol supply system between petrol company and petrol station. When it comes to real life, the interactions between customer and petrol station are also important which can be implemented into the model in the future.</a:t>
-            </a:r>
-            <a:endParaRPr lang="en-IN" sz="2400" dirty="0">
-              <a:solidFill>
-                <a:schemeClr val="tx2"/>
-              </a:solidFill>
-              <a:latin typeface="Times New Roman" pitchFamily="18" charset="0"/>
-              <a:cs typeface="Times New Roman" pitchFamily="18" charset="0"/>
-            </a:endParaRPr>
-          </a:p>
-          <a:p>
-            <a:pPr algn="just"/>
-            <a:r>
-              <a:rPr lang="en-IN" sz="2400" dirty="0">
-                <a:solidFill>
-                  <a:schemeClr val="tx2"/>
-                </a:solidFill>
-                <a:latin typeface="Times New Roman" pitchFamily="18" charset="0"/>
-                <a:cs typeface="Times New Roman" pitchFamily="18" charset="0"/>
-              </a:rPr>
-              <a:t> </a:t>
-            </a:r>
-          </a:p>
-          <a:p>
-            <a:pPr algn="just"/>
-            <a:r>
-              <a:rPr lang="en-IN" sz="2400" dirty="0">
+              <a:rPr lang="en-IN" sz="2000" dirty="0">
                 <a:solidFill>
                   <a:schemeClr val="tx2"/>
                 </a:solidFill>
@@ -11619,95 +10269,6 @@
           </a:p>
         </p:txBody>
       </p:sp>
-      <p:graphicFrame>
-        <p:nvGraphicFramePr>
-          <p:cNvPr id="4132" name="Chart 11"/>
-          <p:cNvGraphicFramePr>
-            <a:graphicFrameLocks/>
-          </p:cNvGraphicFramePr>
-          <p:nvPr>
-            <p:extLst>
-              <p:ext uri="{D42A27DB-BD31-4B8C-83A1-F6EECF244321}">
-                <p14:modId xmlns:p14="http://schemas.microsoft.com/office/powerpoint/2010/main" val="3675307112"/>
-              </p:ext>
-            </p:extLst>
-          </p:nvPr>
-        </p:nvGraphicFramePr>
-        <p:xfrm>
-          <a:off x="5707854" y="9614833"/>
-          <a:ext cx="3679825" cy="2317750"/>
-        </p:xfrm>
-        <a:graphic>
-          <a:graphicData uri="http://schemas.openxmlformats.org/presentationml/2006/ole">
-            <mc:AlternateContent xmlns:mc="http://schemas.openxmlformats.org/markup-compatibility/2006">
-              <mc:Choice xmlns:v="urn:schemas-microsoft-com:vml" Requires="v">
-                <p:oleObj spid="_x0000_s4176" r:id="rId4" imgW="5230821" imgH="3389670" progId="Excel.Chart.8">
-                  <p:embed/>
-                </p:oleObj>
-              </mc:Choice>
-              <mc:Fallback>
-                <p:oleObj r:id="rId4" imgW="5230821" imgH="3389670" progId="Excel.Chart.8">
-                  <p:embed/>
-                  <p:pic>
-                    <p:nvPicPr>
-                      <p:cNvPr id="0" name="Chart 11"/>
-                      <p:cNvPicPr>
-                        <a:picLocks noChangeArrowheads="1"/>
-                      </p:cNvPicPr>
-                      <p:nvPr/>
-                    </p:nvPicPr>
-                    <p:blipFill>
-                      <a:blip r:embed="rId5">
-                        <a:extLst>
-                          <a:ext uri="{28A0092B-C50C-407E-A947-70E740481C1C}">
-                            <a14:useLocalDpi xmlns:a14="http://schemas.microsoft.com/office/drawing/2010/main" val="0"/>
-                          </a:ext>
-                        </a:extLst>
-                      </a:blip>
-                      <a:srcRect/>
-                      <a:stretch>
-                        <a:fillRect/>
-                      </a:stretch>
-                    </p:blipFill>
-                    <p:spPr bwMode="auto">
-                      <a:xfrm>
-                        <a:off x="5707854" y="9614833"/>
-                        <a:ext cx="3679825" cy="2317750"/>
-                      </a:xfrm>
-                      <a:prstGeom prst="rect">
-                        <a:avLst/>
-                      </a:prstGeom>
-                      <a:noFill/>
-                      <a:ln>
-                        <a:noFill/>
-                      </a:ln>
-                      <a:extLst>
-                        <a:ext uri="{909E8E84-426E-40DD-AFC4-6F175D3DCCD1}">
-                          <a14:hiddenFill xmlns:a14="http://schemas.microsoft.com/office/drawing/2010/main">
-                            <a:solidFill>
-                              <a:srgbClr val="FFFFFF"/>
-                            </a:solidFill>
-                          </a14:hiddenFill>
-                        </a:ext>
-                        <a:ext uri="{91240B29-F687-4F45-9708-019B960494DF}">
-                          <a14:hiddenLine xmlns:a14="http://schemas.microsoft.com/office/drawing/2010/main" w="9525">
-                            <a:solidFill>
-                              <a:srgbClr val="000000"/>
-                            </a:solidFill>
-                            <a:miter lim="800000"/>
-                            <a:headEnd/>
-                            <a:tailEnd/>
-                          </a14:hiddenLine>
-                        </a:ext>
-                      </a:extLst>
-                    </p:spPr>
-                  </p:pic>
-                </p:oleObj>
-              </mc:Fallback>
-            </mc:AlternateContent>
-          </a:graphicData>
-        </a:graphic>
-      </p:graphicFrame>
       <p:sp>
         <p:nvSpPr>
           <p:cNvPr id="4134" name="AutoShape 106" descr="Image result for Flow chart image"/>
@@ -11813,14 +10374,14 @@
           <p:nvPr/>
         </p:nvPicPr>
         <p:blipFill>
-          <a:blip r:embed="rId6"/>
+          <a:blip r:embed="rId3"/>
           <a:stretch>
             <a:fillRect/>
           </a:stretch>
         </p:blipFill>
         <p:spPr bwMode="auto">
           <a:xfrm>
-            <a:off x="515461" y="17598158"/>
+            <a:off x="515461" y="18105707"/>
             <a:ext cx="4306570" cy="2323698"/>
           </a:xfrm>
           <a:prstGeom prst="rect">
@@ -11871,7 +10432,7 @@
         </p:nvSpPr>
         <p:spPr bwMode="auto">
           <a:xfrm>
-            <a:off x="1096167" y="20052354"/>
+            <a:off x="1096167" y="20429405"/>
             <a:ext cx="3111503" cy="276999"/>
           </a:xfrm>
           <a:prstGeom prst="rect">
@@ -12105,8 +10666,8 @@
         </p:nvSpPr>
         <p:spPr bwMode="auto">
           <a:xfrm>
-            <a:off x="330200" y="11849100"/>
-            <a:ext cx="4651375" cy="5632311"/>
+            <a:off x="330200" y="14099210"/>
+            <a:ext cx="4651375" cy="4093428"/>
           </a:xfrm>
           <a:prstGeom prst="rect">
             <a:avLst/>
@@ -12143,7 +10704,7 @@
           <a:p>
             <a:pPr algn="just"/>
             <a:r>
-              <a:rPr lang="en-US" altLang="zh-CN" sz="2400" dirty="0">
+              <a:rPr lang="en-US" altLang="zh-CN" sz="2000" dirty="0">
                 <a:solidFill>
                   <a:schemeClr val="tx2"/>
                 </a:solidFill>
@@ -12156,7 +10717,7 @@
           <a:p>
             <a:pPr algn="just"/>
             <a:r>
-              <a:rPr lang="en-US" sz="2400" dirty="0">
+              <a:rPr lang="en-US" sz="2000" dirty="0">
                 <a:solidFill>
                   <a:schemeClr val="tx2"/>
                 </a:solidFill>
@@ -12168,7 +10729,7 @@
           </a:p>
           <a:p>
             <a:pPr algn="just"/>
-            <a:endParaRPr lang="en-IN" sz="2400" dirty="0">
+            <a:endParaRPr lang="en-IN" sz="2000" dirty="0">
               <a:solidFill>
                 <a:schemeClr val="tx2"/>
               </a:solidFill>
@@ -12188,8 +10749,8 @@
         </p:nvSpPr>
         <p:spPr bwMode="auto">
           <a:xfrm>
-            <a:off x="10171113" y="11849100"/>
-            <a:ext cx="4600575" cy="5262979"/>
+            <a:off x="10184149" y="18621616"/>
+            <a:ext cx="4600575" cy="2246769"/>
           </a:xfrm>
           <a:prstGeom prst="rect">
             <a:avLst/>
@@ -12332,7 +10893,7 @@
           <a:p>
             <a:pPr algn="just" eaLnBrk="1" hangingPunct="1"/>
             <a:r>
-              <a:rPr lang="en-US" sz="2400" b="1" dirty="0">
+              <a:rPr lang="en-US" sz="2000" b="1" dirty="0">
                 <a:solidFill>
                   <a:schemeClr val="tx2"/>
                 </a:solidFill>
@@ -12342,7 +10903,7 @@
               <a:t>[1]</a:t>
             </a:r>
             <a:r>
-              <a:rPr lang="en-US" sz="2400" dirty="0">
+              <a:rPr lang="en-US" sz="2000" dirty="0">
                 <a:solidFill>
                   <a:schemeClr val="tx2"/>
                 </a:solidFill>
@@ -12352,7 +10913,7 @@
               <a:t> Database Systems Group, </a:t>
             </a:r>
             <a:r>
-              <a:rPr lang="en-US" sz="2400" i="1" dirty="0">
+              <a:rPr lang="en-US" sz="2000" i="1" dirty="0">
                 <a:solidFill>
                   <a:schemeClr val="tx2"/>
                 </a:solidFill>
@@ -12362,7 +10923,7 @@
               <a:t>USE a UML based Specification Environment Preliminary Version 0.1. </a:t>
             </a:r>
             <a:r>
-              <a:rPr lang="en-US" sz="2400" dirty="0">
+              <a:rPr lang="en-US" sz="2000" dirty="0">
                 <a:solidFill>
                   <a:schemeClr val="tx2"/>
                 </a:solidFill>
@@ -12373,22 +10934,9 @@
             </a:r>
           </a:p>
           <a:p>
-            <a:pPr eaLnBrk="1" hangingPunct="1"/>
-            <a:r>
-              <a:rPr lang="en-US" sz="2400" dirty="0">
-                <a:solidFill>
-                  <a:schemeClr val="tx2"/>
-                </a:solidFill>
-                <a:latin typeface="Times New Roman" pitchFamily="18" charset="0"/>
-                <a:cs typeface="Times New Roman" pitchFamily="18" charset="0"/>
-              </a:rPr>
-              <a:t> </a:t>
-            </a:r>
-          </a:p>
-          <a:p>
             <a:pPr algn="just" eaLnBrk="1" hangingPunct="1"/>
             <a:r>
-              <a:rPr lang="en-US" sz="2400" b="1" dirty="0">
+              <a:rPr lang="en-US" sz="2000" b="1" dirty="0">
                 <a:solidFill>
                   <a:schemeClr val="tx2"/>
                 </a:solidFill>
@@ -12398,7 +10946,7 @@
               <a:t>[2]</a:t>
             </a:r>
             <a:r>
-              <a:rPr lang="en-US" sz="2400" dirty="0">
+              <a:rPr lang="en-US" sz="2000" dirty="0">
                 <a:solidFill>
                   <a:schemeClr val="tx2"/>
                 </a:solidFill>
@@ -12408,7 +10956,7 @@
               <a:t> </a:t>
             </a:r>
             <a:r>
-              <a:rPr lang="en-NZ" sz="2400" dirty="0" err="1">
+              <a:rPr lang="en-NZ" sz="2000" dirty="0" err="1">
                 <a:solidFill>
                   <a:schemeClr val="tx2"/>
                 </a:solidFill>
@@ -12418,7 +10966,7 @@
               <a:t>Kyas</a:t>
             </a:r>
             <a:r>
-              <a:rPr lang="en-NZ" sz="2400" dirty="0">
+              <a:rPr lang="en-NZ" sz="2000" dirty="0">
                 <a:solidFill>
                   <a:schemeClr val="tx2"/>
                 </a:solidFill>
@@ -12427,53 +10975,7 @@
               </a:rPr>
               <a:t>, Marcel. (2018). Verifying OCL specifications of UML models : tool support and compositionality. </a:t>
             </a:r>
-            <a:endParaRPr lang="en-US" sz="2400" dirty="0">
-              <a:solidFill>
-                <a:schemeClr val="tx2"/>
-              </a:solidFill>
-              <a:latin typeface="Times New Roman" pitchFamily="18" charset="0"/>
-              <a:cs typeface="Times New Roman" pitchFamily="18" charset="0"/>
-            </a:endParaRPr>
-          </a:p>
-          <a:p>
-            <a:pPr eaLnBrk="1" hangingPunct="1"/>
-            <a:r>
-              <a:rPr lang="en-US" sz="2400" dirty="0">
-                <a:solidFill>
-                  <a:schemeClr val="tx2"/>
-                </a:solidFill>
-                <a:latin typeface="Times New Roman" pitchFamily="18" charset="0"/>
-                <a:cs typeface="Times New Roman" pitchFamily="18" charset="0"/>
-              </a:rPr>
-              <a:t> </a:t>
-            </a:r>
-          </a:p>
-          <a:p>
-            <a:pPr algn="just" eaLnBrk="1" hangingPunct="1"/>
-            <a:r>
-              <a:rPr lang="en-US" sz="2400" b="1" dirty="0">
-                <a:solidFill>
-                  <a:schemeClr val="tx2"/>
-                </a:solidFill>
-                <a:latin typeface="Times New Roman" pitchFamily="18" charset="0"/>
-                <a:cs typeface="Times New Roman" pitchFamily="18" charset="0"/>
-              </a:rPr>
-              <a:t>[3] </a:t>
-            </a:r>
-            <a:r>
-              <a:rPr lang="en-US" sz="2400" dirty="0">
-                <a:solidFill>
-                  <a:schemeClr val="tx2"/>
-                </a:solidFill>
-                <a:latin typeface="Times New Roman" pitchFamily="18" charset="0"/>
-                <a:cs typeface="Times New Roman" pitchFamily="18" charset="0"/>
-              </a:rPr>
-              <a:t>Object Management Group, “Unified Modeling Language (OMG UML), Version 2.5.1”, December 2017.</a:t>
-            </a:r>
-          </a:p>
-          <a:p>
-            <a:pPr eaLnBrk="1" hangingPunct="1"/>
-            <a:endParaRPr lang="en-US" sz="2400" dirty="0">
+            <a:endParaRPr lang="en-US" sz="2000" dirty="0">
               <a:solidFill>
                 <a:schemeClr val="tx2"/>
               </a:solidFill>
@@ -12499,7 +11001,7 @@
         </p:nvSpPr>
         <p:spPr bwMode="auto">
           <a:xfrm>
-            <a:off x="5234781" y="13737290"/>
+            <a:off x="5222306" y="9924627"/>
             <a:ext cx="4635659" cy="406400"/>
           </a:xfrm>
           <a:prstGeom prst="rect">
@@ -12649,17 +11151,17 @@
                 <a:latin typeface="Times New Roman" pitchFamily="18" charset="0"/>
                 <a:cs typeface="Times New Roman" pitchFamily="18" charset="0"/>
               </a:rPr>
-              <a:t>Verification</a:t>
+              <a:t>Class Diagram</a:t>
             </a:r>
           </a:p>
         </p:txBody>
       </p:sp>
       <p:sp>
         <p:nvSpPr>
-          <p:cNvPr id="24" name="Text Box 564">
+          <p:cNvPr id="25" name="Text Box 471">
             <a:extLst>
               <a:ext uri="{FF2B5EF4-FFF2-40B4-BE49-F238E27FC236}">
-                <a16:creationId xmlns:a16="http://schemas.microsoft.com/office/drawing/2014/main" id="{C6C17C44-72A2-4ABE-BC3D-D27AA7027317}"/>
+                <a16:creationId xmlns:a16="http://schemas.microsoft.com/office/drawing/2014/main" id="{5D106A23-7EC7-420B-B5F5-C48D2C0FD339}"/>
               </a:ext>
             </a:extLst>
           </p:cNvPr>
@@ -12670,8 +11172,187 @@
         </p:nvSpPr>
         <p:spPr bwMode="auto">
           <a:xfrm>
-            <a:off x="5122704" y="14143690"/>
-            <a:ext cx="4632325" cy="747606"/>
+            <a:off x="334487" y="6123660"/>
+            <a:ext cx="4656138" cy="406400"/>
+          </a:xfrm>
+          <a:prstGeom prst="rect">
+            <a:avLst/>
+          </a:prstGeom>
+          <a:solidFill>
+            <a:schemeClr val="tx1"/>
+          </a:solidFill>
+          <a:ln>
+            <a:noFill/>
+          </a:ln>
+          <a:extLst>
+            <a:ext uri="{91240B29-F687-4F45-9708-019B960494DF}">
+              <a14:hiddenLine xmlns:a14="http://schemas.microsoft.com/office/drawing/2010/main" w="9525">
+                <a:solidFill>
+                  <a:srgbClr val="000000"/>
+                </a:solidFill>
+                <a:miter lim="800000"/>
+                <a:headEnd/>
+                <a:tailEnd/>
+              </a14:hiddenLine>
+            </a:ext>
+          </a:extLst>
+        </p:spPr>
+        <p:txBody>
+          <a:bodyPr lIns="37390" tIns="18692" rIns="37390" bIns="18692">
+            <a:spAutoFit/>
+          </a:bodyPr>
+          <a:lstStyle>
+            <a:lvl1pPr defTabSz="373063" eaLnBrk="0" hangingPunct="0">
+              <a:defRPr sz="1200">
+                <a:solidFill>
+                  <a:schemeClr val="tx1"/>
+                </a:solidFill>
+                <a:latin typeface="Arial Narrow" pitchFamily="34" charset="0"/>
+                <a:ea typeface="MS PGothic" pitchFamily="34" charset="-128"/>
+              </a:defRPr>
+            </a:lvl1pPr>
+            <a:lvl2pPr marL="742950" indent="-285750" defTabSz="373063" eaLnBrk="0" hangingPunct="0">
+              <a:defRPr sz="1200">
+                <a:solidFill>
+                  <a:schemeClr val="tx1"/>
+                </a:solidFill>
+                <a:latin typeface="Arial Narrow" pitchFamily="34" charset="0"/>
+                <a:ea typeface="MS PGothic" pitchFamily="34" charset="-128"/>
+              </a:defRPr>
+            </a:lvl2pPr>
+            <a:lvl3pPr marL="1143000" indent="-228600" defTabSz="373063" eaLnBrk="0" hangingPunct="0">
+              <a:defRPr sz="1200">
+                <a:solidFill>
+                  <a:schemeClr val="tx1"/>
+                </a:solidFill>
+                <a:latin typeface="Arial Narrow" pitchFamily="34" charset="0"/>
+                <a:ea typeface="MS PGothic" pitchFamily="34" charset="-128"/>
+              </a:defRPr>
+            </a:lvl3pPr>
+            <a:lvl4pPr marL="1600200" indent="-228600" defTabSz="373063" eaLnBrk="0" hangingPunct="0">
+              <a:defRPr sz="1200">
+                <a:solidFill>
+                  <a:schemeClr val="tx1"/>
+                </a:solidFill>
+                <a:latin typeface="Arial Narrow" pitchFamily="34" charset="0"/>
+                <a:ea typeface="MS PGothic" pitchFamily="34" charset="-128"/>
+              </a:defRPr>
+            </a:lvl4pPr>
+            <a:lvl5pPr marL="2057400" indent="-228600" defTabSz="373063" eaLnBrk="0" hangingPunct="0">
+              <a:defRPr sz="1200">
+                <a:solidFill>
+                  <a:schemeClr val="tx1"/>
+                </a:solidFill>
+                <a:latin typeface="Arial Narrow" pitchFamily="34" charset="0"/>
+                <a:ea typeface="MS PGothic" pitchFamily="34" charset="-128"/>
+              </a:defRPr>
+            </a:lvl5pPr>
+            <a:lvl6pPr marL="2514600" indent="-228600" defTabSz="373063" eaLnBrk="0" fontAlgn="base" hangingPunct="0">
+              <a:spcBef>
+                <a:spcPct val="0"/>
+              </a:spcBef>
+              <a:spcAft>
+                <a:spcPct val="0"/>
+              </a:spcAft>
+              <a:defRPr sz="1200">
+                <a:solidFill>
+                  <a:schemeClr val="tx1"/>
+                </a:solidFill>
+                <a:latin typeface="Arial Narrow" pitchFamily="34" charset="0"/>
+                <a:ea typeface="MS PGothic" pitchFamily="34" charset="-128"/>
+              </a:defRPr>
+            </a:lvl6pPr>
+            <a:lvl7pPr marL="2971800" indent="-228600" defTabSz="373063" eaLnBrk="0" fontAlgn="base" hangingPunct="0">
+              <a:spcBef>
+                <a:spcPct val="0"/>
+              </a:spcBef>
+              <a:spcAft>
+                <a:spcPct val="0"/>
+              </a:spcAft>
+              <a:defRPr sz="1200">
+                <a:solidFill>
+                  <a:schemeClr val="tx1"/>
+                </a:solidFill>
+                <a:latin typeface="Arial Narrow" pitchFamily="34" charset="0"/>
+                <a:ea typeface="MS PGothic" pitchFamily="34" charset="-128"/>
+              </a:defRPr>
+            </a:lvl7pPr>
+            <a:lvl8pPr marL="3429000" indent="-228600" defTabSz="373063" eaLnBrk="0" fontAlgn="base" hangingPunct="0">
+              <a:spcBef>
+                <a:spcPct val="0"/>
+              </a:spcBef>
+              <a:spcAft>
+                <a:spcPct val="0"/>
+              </a:spcAft>
+              <a:defRPr sz="1200">
+                <a:solidFill>
+                  <a:schemeClr val="tx1"/>
+                </a:solidFill>
+                <a:latin typeface="Arial Narrow" pitchFamily="34" charset="0"/>
+                <a:ea typeface="MS PGothic" pitchFamily="34" charset="-128"/>
+              </a:defRPr>
+            </a:lvl8pPr>
+            <a:lvl9pPr marL="3886200" indent="-228600" defTabSz="373063" eaLnBrk="0" fontAlgn="base" hangingPunct="0">
+              <a:spcBef>
+                <a:spcPct val="0"/>
+              </a:spcBef>
+              <a:spcAft>
+                <a:spcPct val="0"/>
+              </a:spcAft>
+              <a:defRPr sz="1200">
+                <a:solidFill>
+                  <a:schemeClr val="tx1"/>
+                </a:solidFill>
+                <a:latin typeface="Arial Narrow" pitchFamily="34" charset="0"/>
+                <a:ea typeface="MS PGothic" pitchFamily="34" charset="-128"/>
+              </a:defRPr>
+            </a:lvl9pPr>
+          </a:lstStyle>
+          <a:p>
+            <a:pPr algn="ctr">
+              <a:spcBef>
+                <a:spcPct val="50000"/>
+              </a:spcBef>
+            </a:pPr>
+            <a:r>
+              <a:rPr lang="en-US" sz="2400" b="1">
+                <a:solidFill>
+                  <a:schemeClr val="bg1"/>
+                </a:solidFill>
+              </a:rPr>
+              <a:t> </a:t>
+            </a:r>
+            <a:r>
+              <a:rPr lang="en-US" sz="2400" b="1">
+                <a:solidFill>
+                  <a:schemeClr val="bg1"/>
+                </a:solidFill>
+                <a:latin typeface="Times New Roman" pitchFamily="18" charset="0"/>
+                <a:cs typeface="Times New Roman" pitchFamily="18" charset="0"/>
+              </a:rPr>
+              <a:t>Introduction</a:t>
+            </a:r>
+          </a:p>
+        </p:txBody>
+      </p:sp>
+      <p:sp>
+        <p:nvSpPr>
+          <p:cNvPr id="26" name="Text Box 472">
+            <a:extLst>
+              <a:ext uri="{FF2B5EF4-FFF2-40B4-BE49-F238E27FC236}">
+                <a16:creationId xmlns:a16="http://schemas.microsoft.com/office/drawing/2014/main" id="{48AFC2E7-B75B-46AA-9DB7-5A0CFA32688A}"/>
+              </a:ext>
+            </a:extLst>
+          </p:cNvPr>
+          <p:cNvSpPr txBox="1">
+            <a:spLocks noChangeArrowheads="1"/>
+          </p:cNvSpPr>
+          <p:nvPr/>
+        </p:nvSpPr>
+        <p:spPr bwMode="auto">
+          <a:xfrm>
+            <a:off x="297178" y="3545214"/>
+            <a:ext cx="4654550" cy="2532710"/>
           </a:xfrm>
           <a:prstGeom prst="rect">
             <a:avLst/>
@@ -12812,27 +11493,1231 @@
             </a:lvl9pPr>
           </a:lstStyle>
           <a:p>
-            <a:pPr algn="just"/>
-            <a:r>
-              <a:rPr lang="en-IN" sz="2400" dirty="0" err="1">
+            <a:pPr algn="just" eaLnBrk="1" hangingPunct="1">
+              <a:defRPr/>
+            </a:pPr>
+            <a:r>
+              <a:rPr lang="en-US" sz="2000" b="1" i="1" dirty="0">
                 <a:solidFill>
                   <a:schemeClr val="tx2"/>
                 </a:solidFill>
                 <a:latin typeface="Times New Roman" pitchFamily="18" charset="0"/>
                 <a:cs typeface="Times New Roman" pitchFamily="18" charset="0"/>
               </a:rPr>
-              <a:t>Todo</a:t>
-            </a:r>
-            <a:r>
-              <a:rPr lang="en-IN" sz="2400" dirty="0">
+              <a:t>This poster describes the specification </a:t>
+            </a:r>
+            <a:r>
+              <a:rPr lang="en-US" altLang="zh-CN" sz="2000" b="1" i="1" dirty="0">
                 <a:solidFill>
                   <a:schemeClr val="tx2"/>
                 </a:solidFill>
                 <a:latin typeface="Times New Roman" pitchFamily="18" charset="0"/>
                 <a:cs typeface="Times New Roman" pitchFamily="18" charset="0"/>
               </a:rPr>
-              <a:t>….</a:t>
-            </a:r>
+              <a:t>and validation</a:t>
+            </a:r>
+            <a:r>
+              <a:rPr lang="en-US" sz="2000" b="1" i="1" dirty="0">
+                <a:solidFill>
+                  <a:schemeClr val="tx2"/>
+                </a:solidFill>
+                <a:latin typeface="Times New Roman" pitchFamily="18" charset="0"/>
+                <a:cs typeface="Times New Roman" pitchFamily="18" charset="0"/>
+              </a:rPr>
+              <a:t> of a petrol supply system with supports from Unified Modeling Language (UML), and Object </a:t>
+            </a:r>
+            <a:r>
+              <a:rPr lang="en-US" altLang="zh-CN" sz="2000" b="1" i="1" dirty="0">
+                <a:solidFill>
+                  <a:schemeClr val="tx2"/>
+                </a:solidFill>
+                <a:latin typeface="Times New Roman" pitchFamily="18" charset="0"/>
+                <a:cs typeface="Times New Roman" pitchFamily="18" charset="0"/>
+              </a:rPr>
+              <a:t>Constraint Language (OCL) </a:t>
+            </a:r>
+            <a:r>
+              <a:rPr lang="en-US" sz="2000" b="1" i="1" dirty="0">
+                <a:solidFill>
+                  <a:schemeClr val="tx2"/>
+                </a:solidFill>
+                <a:latin typeface="Times New Roman" pitchFamily="18" charset="0"/>
+                <a:cs typeface="Times New Roman" pitchFamily="18" charset="0"/>
+              </a:rPr>
+              <a:t>under UML-based Specification Environment (USE).</a:t>
+            </a:r>
+          </a:p>
+        </p:txBody>
+      </p:sp>
+      <p:sp>
+        <p:nvSpPr>
+          <p:cNvPr id="27" name="Text Box 564">
+            <a:extLst>
+              <a:ext uri="{FF2B5EF4-FFF2-40B4-BE49-F238E27FC236}">
+                <a16:creationId xmlns:a16="http://schemas.microsoft.com/office/drawing/2014/main" id="{13EA9F1F-78B8-44FE-A643-C16FCA2F3B66}"/>
+              </a:ext>
+            </a:extLst>
+          </p:cNvPr>
+          <p:cNvSpPr txBox="1">
+            <a:spLocks noChangeArrowheads="1"/>
+          </p:cNvSpPr>
+          <p:nvPr/>
+        </p:nvSpPr>
+        <p:spPr bwMode="auto">
+          <a:xfrm>
+            <a:off x="5234781" y="10434379"/>
+            <a:ext cx="4632325" cy="4379370"/>
+          </a:xfrm>
+          <a:prstGeom prst="rect">
+            <a:avLst/>
+          </a:prstGeom>
+          <a:noFill/>
+          <a:ln>
+            <a:noFill/>
+          </a:ln>
+          <a:extLst>
+            <a:ext uri="{909E8E84-426E-40DD-AFC4-6F175D3DCCD1}">
+              <a14:hiddenFill xmlns:a14="http://schemas.microsoft.com/office/drawing/2010/main">
+                <a:solidFill>
+                  <a:srgbClr val="FFFFFF"/>
+                </a:solidFill>
+              </a14:hiddenFill>
+            </a:ext>
+            <a:ext uri="{91240B29-F687-4F45-9708-019B960494DF}">
+              <a14:hiddenLine xmlns:a14="http://schemas.microsoft.com/office/drawing/2010/main" w="9525">
+                <a:solidFill>
+                  <a:srgbClr val="000000"/>
+                </a:solidFill>
+                <a:miter lim="800000"/>
+                <a:headEnd/>
+                <a:tailEnd/>
+              </a14:hiddenLine>
+            </a:ext>
+          </a:extLst>
+        </p:spPr>
+        <p:txBody>
+          <a:bodyPr lIns="187308" tIns="187308" rIns="187308" bIns="187308">
+            <a:spAutoFit/>
+          </a:bodyPr>
+          <a:lstStyle>
+            <a:lvl1pPr defTabSz="1797050" eaLnBrk="0" hangingPunct="0">
+              <a:defRPr sz="1200">
+                <a:solidFill>
+                  <a:schemeClr val="tx1"/>
+                </a:solidFill>
+                <a:latin typeface="Arial Narrow" pitchFamily="34" charset="0"/>
+                <a:ea typeface="MS PGothic" pitchFamily="34" charset="-128"/>
+              </a:defRPr>
+            </a:lvl1pPr>
+            <a:lvl2pPr marL="742950" indent="-285750" defTabSz="1797050" eaLnBrk="0" hangingPunct="0">
+              <a:defRPr sz="1200">
+                <a:solidFill>
+                  <a:schemeClr val="tx1"/>
+                </a:solidFill>
+                <a:latin typeface="Arial Narrow" pitchFamily="34" charset="0"/>
+                <a:ea typeface="MS PGothic" pitchFamily="34" charset="-128"/>
+              </a:defRPr>
+            </a:lvl2pPr>
+            <a:lvl3pPr marL="1143000" indent="-228600" defTabSz="1797050" eaLnBrk="0" hangingPunct="0">
+              <a:defRPr sz="1200">
+                <a:solidFill>
+                  <a:schemeClr val="tx1"/>
+                </a:solidFill>
+                <a:latin typeface="Arial Narrow" pitchFamily="34" charset="0"/>
+                <a:ea typeface="MS PGothic" pitchFamily="34" charset="-128"/>
+              </a:defRPr>
+            </a:lvl3pPr>
+            <a:lvl4pPr marL="1600200" indent="-228600" defTabSz="1797050" eaLnBrk="0" hangingPunct="0">
+              <a:defRPr sz="1200">
+                <a:solidFill>
+                  <a:schemeClr val="tx1"/>
+                </a:solidFill>
+                <a:latin typeface="Arial Narrow" pitchFamily="34" charset="0"/>
+                <a:ea typeface="MS PGothic" pitchFamily="34" charset="-128"/>
+              </a:defRPr>
+            </a:lvl4pPr>
+            <a:lvl5pPr marL="2057400" indent="-228600" defTabSz="1797050" eaLnBrk="0" hangingPunct="0">
+              <a:defRPr sz="1200">
+                <a:solidFill>
+                  <a:schemeClr val="tx1"/>
+                </a:solidFill>
+                <a:latin typeface="Arial Narrow" pitchFamily="34" charset="0"/>
+                <a:ea typeface="MS PGothic" pitchFamily="34" charset="-128"/>
+              </a:defRPr>
+            </a:lvl5pPr>
+            <a:lvl6pPr marL="2514600" indent="-228600" defTabSz="1797050" eaLnBrk="0" fontAlgn="base" hangingPunct="0">
+              <a:spcBef>
+                <a:spcPct val="0"/>
+              </a:spcBef>
+              <a:spcAft>
+                <a:spcPct val="0"/>
+              </a:spcAft>
+              <a:defRPr sz="1200">
+                <a:solidFill>
+                  <a:schemeClr val="tx1"/>
+                </a:solidFill>
+                <a:latin typeface="Arial Narrow" pitchFamily="34" charset="0"/>
+                <a:ea typeface="MS PGothic" pitchFamily="34" charset="-128"/>
+              </a:defRPr>
+            </a:lvl6pPr>
+            <a:lvl7pPr marL="2971800" indent="-228600" defTabSz="1797050" eaLnBrk="0" fontAlgn="base" hangingPunct="0">
+              <a:spcBef>
+                <a:spcPct val="0"/>
+              </a:spcBef>
+              <a:spcAft>
+                <a:spcPct val="0"/>
+              </a:spcAft>
+              <a:defRPr sz="1200">
+                <a:solidFill>
+                  <a:schemeClr val="tx1"/>
+                </a:solidFill>
+                <a:latin typeface="Arial Narrow" pitchFamily="34" charset="0"/>
+                <a:ea typeface="MS PGothic" pitchFamily="34" charset="-128"/>
+              </a:defRPr>
+            </a:lvl7pPr>
+            <a:lvl8pPr marL="3429000" indent="-228600" defTabSz="1797050" eaLnBrk="0" fontAlgn="base" hangingPunct="0">
+              <a:spcBef>
+                <a:spcPct val="0"/>
+              </a:spcBef>
+              <a:spcAft>
+                <a:spcPct val="0"/>
+              </a:spcAft>
+              <a:defRPr sz="1200">
+                <a:solidFill>
+                  <a:schemeClr val="tx1"/>
+                </a:solidFill>
+                <a:latin typeface="Arial Narrow" pitchFamily="34" charset="0"/>
+                <a:ea typeface="MS PGothic" pitchFamily="34" charset="-128"/>
+              </a:defRPr>
+            </a:lvl8pPr>
+            <a:lvl9pPr marL="3886200" indent="-228600" defTabSz="1797050" eaLnBrk="0" fontAlgn="base" hangingPunct="0">
+              <a:spcBef>
+                <a:spcPct val="0"/>
+              </a:spcBef>
+              <a:spcAft>
+                <a:spcPct val="0"/>
+              </a:spcAft>
+              <a:defRPr sz="1200">
+                <a:solidFill>
+                  <a:schemeClr val="tx1"/>
+                </a:solidFill>
+                <a:latin typeface="Arial Narrow" pitchFamily="34" charset="0"/>
+                <a:ea typeface="MS PGothic" pitchFamily="34" charset="-128"/>
+              </a:defRPr>
+            </a:lvl9pPr>
+          </a:lstStyle>
+          <a:p>
+            <a:pPr algn="just"/>
+            <a:r>
+              <a:rPr lang="en-NZ" sz="2000" dirty="0">
+                <a:solidFill>
+                  <a:schemeClr val="tx2"/>
+                </a:solidFill>
+                <a:latin typeface="Times New Roman" pitchFamily="18" charset="0"/>
+                <a:cs typeface="Times New Roman" pitchFamily="18" charset="0"/>
+              </a:rPr>
+              <a:t>Class diagram describes the relationship between classes, and it can also provide the role name for easy observation. Start from the head - company; They own stations and sale gasoline to stations with a static wholesale price. They collect the bill from stations when they require them to do so. While that happens, Station::</a:t>
+            </a:r>
+            <a:r>
+              <a:rPr lang="en-NZ" sz="2000" dirty="0" err="1">
+                <a:solidFill>
+                  <a:schemeClr val="tx2"/>
+                </a:solidFill>
+                <a:latin typeface="Times New Roman" pitchFamily="18" charset="0"/>
+                <a:cs typeface="Times New Roman" pitchFamily="18" charset="0"/>
+              </a:rPr>
+              <a:t>payOwe</a:t>
+            </a:r>
+            <a:r>
+              <a:rPr lang="en-NZ" sz="2000" dirty="0">
+                <a:solidFill>
+                  <a:schemeClr val="tx2"/>
+                </a:solidFill>
+                <a:latin typeface="Times New Roman" pitchFamily="18" charset="0"/>
+                <a:cs typeface="Times New Roman" pitchFamily="18" charset="0"/>
+              </a:rPr>
+              <a:t> handles the situation. Pre/Post-conditions are used to ensure Station have money to pay, and Station holds a Record. This Record at Station gets cleared after they pay off the bill.</a:t>
+            </a:r>
+            <a:endParaRPr lang="en-IN" sz="2000" dirty="0">
+              <a:solidFill>
+                <a:schemeClr val="tx2"/>
+              </a:solidFill>
+              <a:latin typeface="Times New Roman" pitchFamily="18" charset="0"/>
+              <a:cs typeface="Times New Roman" pitchFamily="18" charset="0"/>
+            </a:endParaRPr>
+          </a:p>
+        </p:txBody>
+      </p:sp>
+      <p:pic>
+        <p:nvPicPr>
+          <p:cNvPr id="3" name="Picture 2">
+            <a:extLst>
+              <a:ext uri="{FF2B5EF4-FFF2-40B4-BE49-F238E27FC236}">
+                <a16:creationId xmlns:a16="http://schemas.microsoft.com/office/drawing/2014/main" id="{9C908333-632B-4BA5-968B-849DB5BB77F2}"/>
+              </a:ext>
+            </a:extLst>
+          </p:cNvPr>
+          <p:cNvPicPr>
+            <a:picLocks noChangeAspect="1"/>
+          </p:cNvPicPr>
+          <p:nvPr/>
+        </p:nvPicPr>
+        <p:blipFill>
+          <a:blip r:embed="rId4"/>
+          <a:stretch>
+            <a:fillRect/>
+          </a:stretch>
+        </p:blipFill>
+        <p:spPr>
+          <a:xfrm rot="5400000">
+            <a:off x="4893939" y="15985625"/>
+            <a:ext cx="5572350" cy="3622358"/>
+          </a:xfrm>
+          <a:prstGeom prst="rect">
+            <a:avLst/>
+          </a:prstGeom>
+        </p:spPr>
+      </p:pic>
+      <p:sp>
+        <p:nvSpPr>
+          <p:cNvPr id="30" name="Text Box 522">
+            <a:extLst>
+              <a:ext uri="{FF2B5EF4-FFF2-40B4-BE49-F238E27FC236}">
+                <a16:creationId xmlns:a16="http://schemas.microsoft.com/office/drawing/2014/main" id="{247F0259-3113-4B20-A694-B642460C536C}"/>
+              </a:ext>
+            </a:extLst>
+          </p:cNvPr>
+          <p:cNvSpPr txBox="1">
+            <a:spLocks noChangeArrowheads="1"/>
+          </p:cNvSpPr>
+          <p:nvPr/>
+        </p:nvSpPr>
+        <p:spPr bwMode="auto">
+          <a:xfrm>
+            <a:off x="10130790" y="3140103"/>
+            <a:ext cx="4656138" cy="406400"/>
+          </a:xfrm>
+          <a:prstGeom prst="rect">
+            <a:avLst/>
+          </a:prstGeom>
+          <a:solidFill>
+            <a:schemeClr val="tx1"/>
+          </a:solidFill>
+          <a:ln>
+            <a:noFill/>
+          </a:ln>
+          <a:extLst>
+            <a:ext uri="{91240B29-F687-4F45-9708-019B960494DF}">
+              <a14:hiddenLine xmlns:a14="http://schemas.microsoft.com/office/drawing/2010/main" w="9525">
+                <a:solidFill>
+                  <a:srgbClr val="000000"/>
+                </a:solidFill>
+                <a:miter lim="800000"/>
+                <a:headEnd/>
+                <a:tailEnd/>
+              </a14:hiddenLine>
+            </a:ext>
+          </a:extLst>
+        </p:spPr>
+        <p:txBody>
+          <a:bodyPr lIns="37390" tIns="18692" rIns="37390" bIns="18692">
+            <a:spAutoFit/>
+          </a:bodyPr>
+          <a:lstStyle>
+            <a:lvl1pPr defTabSz="373063" eaLnBrk="0" hangingPunct="0">
+              <a:defRPr sz="1200">
+                <a:solidFill>
+                  <a:schemeClr val="tx1"/>
+                </a:solidFill>
+                <a:latin typeface="Arial Narrow" pitchFamily="34" charset="0"/>
+                <a:ea typeface="MS PGothic" pitchFamily="34" charset="-128"/>
+              </a:defRPr>
+            </a:lvl1pPr>
+            <a:lvl2pPr marL="742950" indent="-285750" defTabSz="373063" eaLnBrk="0" hangingPunct="0">
+              <a:defRPr sz="1200">
+                <a:solidFill>
+                  <a:schemeClr val="tx1"/>
+                </a:solidFill>
+                <a:latin typeface="Arial Narrow" pitchFamily="34" charset="0"/>
+                <a:ea typeface="MS PGothic" pitchFamily="34" charset="-128"/>
+              </a:defRPr>
+            </a:lvl2pPr>
+            <a:lvl3pPr marL="1143000" indent="-228600" defTabSz="373063" eaLnBrk="0" hangingPunct="0">
+              <a:defRPr sz="1200">
+                <a:solidFill>
+                  <a:schemeClr val="tx1"/>
+                </a:solidFill>
+                <a:latin typeface="Arial Narrow" pitchFamily="34" charset="0"/>
+                <a:ea typeface="MS PGothic" pitchFamily="34" charset="-128"/>
+              </a:defRPr>
+            </a:lvl3pPr>
+            <a:lvl4pPr marL="1600200" indent="-228600" defTabSz="373063" eaLnBrk="0" hangingPunct="0">
+              <a:defRPr sz="1200">
+                <a:solidFill>
+                  <a:schemeClr val="tx1"/>
+                </a:solidFill>
+                <a:latin typeface="Arial Narrow" pitchFamily="34" charset="0"/>
+                <a:ea typeface="MS PGothic" pitchFamily="34" charset="-128"/>
+              </a:defRPr>
+            </a:lvl4pPr>
+            <a:lvl5pPr marL="2057400" indent="-228600" defTabSz="373063" eaLnBrk="0" hangingPunct="0">
+              <a:defRPr sz="1200">
+                <a:solidFill>
+                  <a:schemeClr val="tx1"/>
+                </a:solidFill>
+                <a:latin typeface="Arial Narrow" pitchFamily="34" charset="0"/>
+                <a:ea typeface="MS PGothic" pitchFamily="34" charset="-128"/>
+              </a:defRPr>
+            </a:lvl5pPr>
+            <a:lvl6pPr marL="2514600" indent="-228600" defTabSz="373063" eaLnBrk="0" fontAlgn="base" hangingPunct="0">
+              <a:spcBef>
+                <a:spcPct val="0"/>
+              </a:spcBef>
+              <a:spcAft>
+                <a:spcPct val="0"/>
+              </a:spcAft>
+              <a:defRPr sz="1200">
+                <a:solidFill>
+                  <a:schemeClr val="tx1"/>
+                </a:solidFill>
+                <a:latin typeface="Arial Narrow" pitchFamily="34" charset="0"/>
+                <a:ea typeface="MS PGothic" pitchFamily="34" charset="-128"/>
+              </a:defRPr>
+            </a:lvl6pPr>
+            <a:lvl7pPr marL="2971800" indent="-228600" defTabSz="373063" eaLnBrk="0" fontAlgn="base" hangingPunct="0">
+              <a:spcBef>
+                <a:spcPct val="0"/>
+              </a:spcBef>
+              <a:spcAft>
+                <a:spcPct val="0"/>
+              </a:spcAft>
+              <a:defRPr sz="1200">
+                <a:solidFill>
+                  <a:schemeClr val="tx1"/>
+                </a:solidFill>
+                <a:latin typeface="Arial Narrow" pitchFamily="34" charset="0"/>
+                <a:ea typeface="MS PGothic" pitchFamily="34" charset="-128"/>
+              </a:defRPr>
+            </a:lvl7pPr>
+            <a:lvl8pPr marL="3429000" indent="-228600" defTabSz="373063" eaLnBrk="0" fontAlgn="base" hangingPunct="0">
+              <a:spcBef>
+                <a:spcPct val="0"/>
+              </a:spcBef>
+              <a:spcAft>
+                <a:spcPct val="0"/>
+              </a:spcAft>
+              <a:defRPr sz="1200">
+                <a:solidFill>
+                  <a:schemeClr val="tx1"/>
+                </a:solidFill>
+                <a:latin typeface="Arial Narrow" pitchFamily="34" charset="0"/>
+                <a:ea typeface="MS PGothic" pitchFamily="34" charset="-128"/>
+              </a:defRPr>
+            </a:lvl8pPr>
+            <a:lvl9pPr marL="3886200" indent="-228600" defTabSz="373063" eaLnBrk="0" fontAlgn="base" hangingPunct="0">
+              <a:spcBef>
+                <a:spcPct val="0"/>
+              </a:spcBef>
+              <a:spcAft>
+                <a:spcPct val="0"/>
+              </a:spcAft>
+              <a:defRPr sz="1200">
+                <a:solidFill>
+                  <a:schemeClr val="tx1"/>
+                </a:solidFill>
+                <a:latin typeface="Arial Narrow" pitchFamily="34" charset="0"/>
+                <a:ea typeface="MS PGothic" pitchFamily="34" charset="-128"/>
+              </a:defRPr>
+            </a:lvl9pPr>
+          </a:lstStyle>
+          <a:p>
+            <a:pPr algn="ctr">
+              <a:spcBef>
+                <a:spcPct val="50000"/>
+              </a:spcBef>
+            </a:pPr>
+            <a:r>
+              <a:rPr lang="en-US" sz="2400" b="1" dirty="0">
+                <a:solidFill>
+                  <a:schemeClr val="bg1"/>
+                </a:solidFill>
+                <a:latin typeface="Times New Roman" pitchFamily="18" charset="0"/>
+                <a:cs typeface="Times New Roman" pitchFamily="18" charset="0"/>
+              </a:rPr>
+              <a:t>Object Diagram</a:t>
+            </a:r>
+          </a:p>
+        </p:txBody>
+      </p:sp>
+      <p:sp>
+        <p:nvSpPr>
+          <p:cNvPr id="33" name="TextBox 5">
+            <a:extLst>
+              <a:ext uri="{FF2B5EF4-FFF2-40B4-BE49-F238E27FC236}">
+                <a16:creationId xmlns:a16="http://schemas.microsoft.com/office/drawing/2014/main" id="{54DEFC90-97D1-460B-80D1-2F8C19E29FC9}"/>
+              </a:ext>
+            </a:extLst>
+          </p:cNvPr>
+          <p:cNvSpPr txBox="1">
+            <a:spLocks noChangeArrowheads="1"/>
+          </p:cNvSpPr>
+          <p:nvPr/>
+        </p:nvSpPr>
+        <p:spPr bwMode="auto">
+          <a:xfrm rot="5400000">
+            <a:off x="4736759" y="17658304"/>
+            <a:ext cx="1668714" cy="277000"/>
+          </a:xfrm>
+          <a:prstGeom prst="rect">
+            <a:avLst/>
+          </a:prstGeom>
+          <a:noFill/>
+          <a:ln>
+            <a:noFill/>
+          </a:ln>
+          <a:extLst>
+            <a:ext uri="{909E8E84-426E-40DD-AFC4-6F175D3DCCD1}">
+              <a14:hiddenFill xmlns:a14="http://schemas.microsoft.com/office/drawing/2010/main">
+                <a:solidFill>
+                  <a:srgbClr val="FFFFFF"/>
+                </a:solidFill>
+              </a14:hiddenFill>
+            </a:ext>
+            <a:ext uri="{91240B29-F687-4F45-9708-019B960494DF}">
+              <a14:hiddenLine xmlns:a14="http://schemas.microsoft.com/office/drawing/2010/main" w="9525">
+                <a:solidFill>
+                  <a:srgbClr val="000000"/>
+                </a:solidFill>
+                <a:miter lim="800000"/>
+                <a:headEnd/>
+                <a:tailEnd/>
+              </a14:hiddenLine>
+            </a:ext>
+          </a:extLst>
+        </p:spPr>
+        <p:txBody>
+          <a:bodyPr wrap="square">
+            <a:spAutoFit/>
+          </a:bodyPr>
+          <a:lstStyle>
+            <a:lvl1pPr eaLnBrk="0" hangingPunct="0">
+              <a:defRPr sz="1200">
+                <a:solidFill>
+                  <a:schemeClr val="tx1"/>
+                </a:solidFill>
+                <a:latin typeface="Arial Narrow" pitchFamily="34" charset="0"/>
+                <a:ea typeface="MS PGothic" pitchFamily="34" charset="-128"/>
+              </a:defRPr>
+            </a:lvl1pPr>
+            <a:lvl2pPr marL="742950" indent="-285750" eaLnBrk="0" hangingPunct="0">
+              <a:defRPr sz="1200">
+                <a:solidFill>
+                  <a:schemeClr val="tx1"/>
+                </a:solidFill>
+                <a:latin typeface="Arial Narrow" pitchFamily="34" charset="0"/>
+                <a:ea typeface="MS PGothic" pitchFamily="34" charset="-128"/>
+              </a:defRPr>
+            </a:lvl2pPr>
+            <a:lvl3pPr marL="1143000" indent="-228600" eaLnBrk="0" hangingPunct="0">
+              <a:defRPr sz="1200">
+                <a:solidFill>
+                  <a:schemeClr val="tx1"/>
+                </a:solidFill>
+                <a:latin typeface="Arial Narrow" pitchFamily="34" charset="0"/>
+                <a:ea typeface="MS PGothic" pitchFamily="34" charset="-128"/>
+              </a:defRPr>
+            </a:lvl3pPr>
+            <a:lvl4pPr marL="1600200" indent="-228600" eaLnBrk="0" hangingPunct="0">
+              <a:defRPr sz="1200">
+                <a:solidFill>
+                  <a:schemeClr val="tx1"/>
+                </a:solidFill>
+                <a:latin typeface="Arial Narrow" pitchFamily="34" charset="0"/>
+                <a:ea typeface="MS PGothic" pitchFamily="34" charset="-128"/>
+              </a:defRPr>
+            </a:lvl4pPr>
+            <a:lvl5pPr marL="2057400" indent="-228600" eaLnBrk="0" hangingPunct="0">
+              <a:defRPr sz="1200">
+                <a:solidFill>
+                  <a:schemeClr val="tx1"/>
+                </a:solidFill>
+                <a:latin typeface="Arial Narrow" pitchFamily="34" charset="0"/>
+                <a:ea typeface="MS PGothic" pitchFamily="34" charset="-128"/>
+              </a:defRPr>
+            </a:lvl5pPr>
+            <a:lvl6pPr marL="2514600" indent="-228600" eaLnBrk="0" fontAlgn="base" hangingPunct="0">
+              <a:spcBef>
+                <a:spcPct val="0"/>
+              </a:spcBef>
+              <a:spcAft>
+                <a:spcPct val="0"/>
+              </a:spcAft>
+              <a:defRPr sz="1200">
+                <a:solidFill>
+                  <a:schemeClr val="tx1"/>
+                </a:solidFill>
+                <a:latin typeface="Arial Narrow" pitchFamily="34" charset="0"/>
+                <a:ea typeface="MS PGothic" pitchFamily="34" charset="-128"/>
+              </a:defRPr>
+            </a:lvl6pPr>
+            <a:lvl7pPr marL="2971800" indent="-228600" eaLnBrk="0" fontAlgn="base" hangingPunct="0">
+              <a:spcBef>
+                <a:spcPct val="0"/>
+              </a:spcBef>
+              <a:spcAft>
+                <a:spcPct val="0"/>
+              </a:spcAft>
+              <a:defRPr sz="1200">
+                <a:solidFill>
+                  <a:schemeClr val="tx1"/>
+                </a:solidFill>
+                <a:latin typeface="Arial Narrow" pitchFamily="34" charset="0"/>
+                <a:ea typeface="MS PGothic" pitchFamily="34" charset="-128"/>
+              </a:defRPr>
+            </a:lvl7pPr>
+            <a:lvl8pPr marL="3429000" indent="-228600" eaLnBrk="0" fontAlgn="base" hangingPunct="0">
+              <a:spcBef>
+                <a:spcPct val="0"/>
+              </a:spcBef>
+              <a:spcAft>
+                <a:spcPct val="0"/>
+              </a:spcAft>
+              <a:defRPr sz="1200">
+                <a:solidFill>
+                  <a:schemeClr val="tx1"/>
+                </a:solidFill>
+                <a:latin typeface="Arial Narrow" pitchFamily="34" charset="0"/>
+                <a:ea typeface="MS PGothic" pitchFamily="34" charset="-128"/>
+              </a:defRPr>
+            </a:lvl8pPr>
+            <a:lvl9pPr marL="3886200" indent="-228600" eaLnBrk="0" fontAlgn="base" hangingPunct="0">
+              <a:spcBef>
+                <a:spcPct val="0"/>
+              </a:spcBef>
+              <a:spcAft>
+                <a:spcPct val="0"/>
+              </a:spcAft>
+              <a:defRPr sz="1200">
+                <a:solidFill>
+                  <a:schemeClr val="tx1"/>
+                </a:solidFill>
+                <a:latin typeface="Arial Narrow" pitchFamily="34" charset="0"/>
+                <a:ea typeface="MS PGothic" pitchFamily="34" charset="-128"/>
+              </a:defRPr>
+            </a:lvl9pPr>
+          </a:lstStyle>
+          <a:p>
+            <a:pPr eaLnBrk="1" hangingPunct="1"/>
+            <a:r>
+              <a:rPr lang="en-US" dirty="0"/>
+              <a:t>Figure 2, Class Diagram</a:t>
+            </a:r>
+            <a:endParaRPr lang="en-IN" dirty="0"/>
+          </a:p>
+        </p:txBody>
+      </p:sp>
+      <p:sp>
+        <p:nvSpPr>
+          <p:cNvPr id="34" name="Text Box 564">
+            <a:extLst>
+              <a:ext uri="{FF2B5EF4-FFF2-40B4-BE49-F238E27FC236}">
+                <a16:creationId xmlns:a16="http://schemas.microsoft.com/office/drawing/2014/main" id="{64BD5A63-8C98-4382-826F-9D3800F65428}"/>
+              </a:ext>
+            </a:extLst>
+          </p:cNvPr>
+          <p:cNvSpPr txBox="1">
+            <a:spLocks noChangeArrowheads="1"/>
+          </p:cNvSpPr>
+          <p:nvPr/>
+        </p:nvSpPr>
+        <p:spPr bwMode="auto">
+          <a:xfrm>
+            <a:off x="10096726" y="3594595"/>
+            <a:ext cx="4632325" cy="2224934"/>
+          </a:xfrm>
+          <a:prstGeom prst="rect">
+            <a:avLst/>
+          </a:prstGeom>
+          <a:noFill/>
+          <a:ln>
+            <a:noFill/>
+          </a:ln>
+          <a:extLst>
+            <a:ext uri="{909E8E84-426E-40DD-AFC4-6F175D3DCCD1}">
+              <a14:hiddenFill xmlns:a14="http://schemas.microsoft.com/office/drawing/2010/main">
+                <a:solidFill>
+                  <a:srgbClr val="FFFFFF"/>
+                </a:solidFill>
+              </a14:hiddenFill>
+            </a:ext>
+            <a:ext uri="{91240B29-F687-4F45-9708-019B960494DF}">
+              <a14:hiddenLine xmlns:a14="http://schemas.microsoft.com/office/drawing/2010/main" w="9525">
+                <a:solidFill>
+                  <a:srgbClr val="000000"/>
+                </a:solidFill>
+                <a:miter lim="800000"/>
+                <a:headEnd/>
+                <a:tailEnd/>
+              </a14:hiddenLine>
+            </a:ext>
+          </a:extLst>
+        </p:spPr>
+        <p:txBody>
+          <a:bodyPr lIns="187308" tIns="187308" rIns="187308" bIns="187308">
+            <a:spAutoFit/>
+          </a:bodyPr>
+          <a:lstStyle>
+            <a:lvl1pPr defTabSz="1797050" eaLnBrk="0" hangingPunct="0">
+              <a:defRPr sz="1200">
+                <a:solidFill>
+                  <a:schemeClr val="tx1"/>
+                </a:solidFill>
+                <a:latin typeface="Arial Narrow" pitchFamily="34" charset="0"/>
+                <a:ea typeface="MS PGothic" pitchFamily="34" charset="-128"/>
+              </a:defRPr>
+            </a:lvl1pPr>
+            <a:lvl2pPr marL="742950" indent="-285750" defTabSz="1797050" eaLnBrk="0" hangingPunct="0">
+              <a:defRPr sz="1200">
+                <a:solidFill>
+                  <a:schemeClr val="tx1"/>
+                </a:solidFill>
+                <a:latin typeface="Arial Narrow" pitchFamily="34" charset="0"/>
+                <a:ea typeface="MS PGothic" pitchFamily="34" charset="-128"/>
+              </a:defRPr>
+            </a:lvl2pPr>
+            <a:lvl3pPr marL="1143000" indent="-228600" defTabSz="1797050" eaLnBrk="0" hangingPunct="0">
+              <a:defRPr sz="1200">
+                <a:solidFill>
+                  <a:schemeClr val="tx1"/>
+                </a:solidFill>
+                <a:latin typeface="Arial Narrow" pitchFamily="34" charset="0"/>
+                <a:ea typeface="MS PGothic" pitchFamily="34" charset="-128"/>
+              </a:defRPr>
+            </a:lvl3pPr>
+            <a:lvl4pPr marL="1600200" indent="-228600" defTabSz="1797050" eaLnBrk="0" hangingPunct="0">
+              <a:defRPr sz="1200">
+                <a:solidFill>
+                  <a:schemeClr val="tx1"/>
+                </a:solidFill>
+                <a:latin typeface="Arial Narrow" pitchFamily="34" charset="0"/>
+                <a:ea typeface="MS PGothic" pitchFamily="34" charset="-128"/>
+              </a:defRPr>
+            </a:lvl4pPr>
+            <a:lvl5pPr marL="2057400" indent="-228600" defTabSz="1797050" eaLnBrk="0" hangingPunct="0">
+              <a:defRPr sz="1200">
+                <a:solidFill>
+                  <a:schemeClr val="tx1"/>
+                </a:solidFill>
+                <a:latin typeface="Arial Narrow" pitchFamily="34" charset="0"/>
+                <a:ea typeface="MS PGothic" pitchFamily="34" charset="-128"/>
+              </a:defRPr>
+            </a:lvl5pPr>
+            <a:lvl6pPr marL="2514600" indent="-228600" defTabSz="1797050" eaLnBrk="0" fontAlgn="base" hangingPunct="0">
+              <a:spcBef>
+                <a:spcPct val="0"/>
+              </a:spcBef>
+              <a:spcAft>
+                <a:spcPct val="0"/>
+              </a:spcAft>
+              <a:defRPr sz="1200">
+                <a:solidFill>
+                  <a:schemeClr val="tx1"/>
+                </a:solidFill>
+                <a:latin typeface="Arial Narrow" pitchFamily="34" charset="0"/>
+                <a:ea typeface="MS PGothic" pitchFamily="34" charset="-128"/>
+              </a:defRPr>
+            </a:lvl6pPr>
+            <a:lvl7pPr marL="2971800" indent="-228600" defTabSz="1797050" eaLnBrk="0" fontAlgn="base" hangingPunct="0">
+              <a:spcBef>
+                <a:spcPct val="0"/>
+              </a:spcBef>
+              <a:spcAft>
+                <a:spcPct val="0"/>
+              </a:spcAft>
+              <a:defRPr sz="1200">
+                <a:solidFill>
+                  <a:schemeClr val="tx1"/>
+                </a:solidFill>
+                <a:latin typeface="Arial Narrow" pitchFamily="34" charset="0"/>
+                <a:ea typeface="MS PGothic" pitchFamily="34" charset="-128"/>
+              </a:defRPr>
+            </a:lvl7pPr>
+            <a:lvl8pPr marL="3429000" indent="-228600" defTabSz="1797050" eaLnBrk="0" fontAlgn="base" hangingPunct="0">
+              <a:spcBef>
+                <a:spcPct val="0"/>
+              </a:spcBef>
+              <a:spcAft>
+                <a:spcPct val="0"/>
+              </a:spcAft>
+              <a:defRPr sz="1200">
+                <a:solidFill>
+                  <a:schemeClr val="tx1"/>
+                </a:solidFill>
+                <a:latin typeface="Arial Narrow" pitchFamily="34" charset="0"/>
+                <a:ea typeface="MS PGothic" pitchFamily="34" charset="-128"/>
+              </a:defRPr>
+            </a:lvl8pPr>
+            <a:lvl9pPr marL="3886200" indent="-228600" defTabSz="1797050" eaLnBrk="0" fontAlgn="base" hangingPunct="0">
+              <a:spcBef>
+                <a:spcPct val="0"/>
+              </a:spcBef>
+              <a:spcAft>
+                <a:spcPct val="0"/>
+              </a:spcAft>
+              <a:defRPr sz="1200">
+                <a:solidFill>
+                  <a:schemeClr val="tx1"/>
+                </a:solidFill>
+                <a:latin typeface="Arial Narrow" pitchFamily="34" charset="0"/>
+                <a:ea typeface="MS PGothic" pitchFamily="34" charset="-128"/>
+              </a:defRPr>
+            </a:lvl9pPr>
+          </a:lstStyle>
+          <a:p>
+            <a:pPr algn="just"/>
+            <a:r>
+              <a:rPr lang="en-NZ" sz="2000" dirty="0">
+                <a:solidFill>
+                  <a:schemeClr val="tx2"/>
+                </a:solidFill>
+                <a:latin typeface="Times New Roman" pitchFamily="18" charset="0"/>
+                <a:cs typeface="Times New Roman" pitchFamily="18" charset="0"/>
+              </a:rPr>
+              <a:t>Partial view of object diagram is </a:t>
+            </a:r>
+            <a:r>
+              <a:rPr lang="en-US" altLang="zh-CN" sz="2000" dirty="0">
+                <a:solidFill>
+                  <a:schemeClr val="tx2"/>
+                </a:solidFill>
+                <a:latin typeface="Times New Roman" pitchFamily="18" charset="0"/>
+                <a:cs typeface="Times New Roman" pitchFamily="18" charset="0"/>
+              </a:rPr>
+              <a:t>shown in figure 3. It </a:t>
+            </a:r>
+            <a:r>
+              <a:rPr lang="en-NZ" sz="2000" dirty="0">
+                <a:solidFill>
+                  <a:schemeClr val="tx2"/>
+                </a:solidFill>
+                <a:latin typeface="Times New Roman" pitchFamily="18" charset="0"/>
+                <a:cs typeface="Times New Roman" pitchFamily="18" charset="0"/>
+              </a:rPr>
+              <a:t>demonstrates the idea of the implementation of this petrol station. In this diagram, we create instances for each class to explain how the petrol station work.</a:t>
+            </a:r>
+            <a:endParaRPr lang="en-IN" sz="2000" dirty="0">
+              <a:solidFill>
+                <a:schemeClr val="tx2"/>
+              </a:solidFill>
+              <a:latin typeface="Times New Roman" pitchFamily="18" charset="0"/>
+              <a:cs typeface="Times New Roman" pitchFamily="18" charset="0"/>
+            </a:endParaRPr>
+          </a:p>
+        </p:txBody>
+      </p:sp>
+      <p:pic>
+        <p:nvPicPr>
+          <p:cNvPr id="9" name="Picture 8">
+            <a:extLst>
+              <a:ext uri="{FF2B5EF4-FFF2-40B4-BE49-F238E27FC236}">
+                <a16:creationId xmlns:a16="http://schemas.microsoft.com/office/drawing/2014/main" id="{A5252808-B7A1-4E14-9387-8F54503E8DA9}"/>
+              </a:ext>
+            </a:extLst>
+          </p:cNvPr>
+          <p:cNvPicPr>
+            <a:picLocks noChangeAspect="1"/>
+          </p:cNvPicPr>
+          <p:nvPr/>
+        </p:nvPicPr>
+        <p:blipFill>
+          <a:blip r:embed="rId5"/>
+          <a:stretch>
+            <a:fillRect/>
+          </a:stretch>
+        </p:blipFill>
+        <p:spPr>
+          <a:xfrm>
+            <a:off x="10359717" y="5645196"/>
+            <a:ext cx="4106341" cy="4602592"/>
+          </a:xfrm>
+          <a:prstGeom prst="rect">
+            <a:avLst/>
+          </a:prstGeom>
+        </p:spPr>
+      </p:pic>
+      <p:sp>
+        <p:nvSpPr>
+          <p:cNvPr id="39" name="TextBox 5">
+            <a:extLst>
+              <a:ext uri="{FF2B5EF4-FFF2-40B4-BE49-F238E27FC236}">
+                <a16:creationId xmlns:a16="http://schemas.microsoft.com/office/drawing/2014/main" id="{3CCB8D80-1023-4CE2-8621-762894CBABF6}"/>
+              </a:ext>
+            </a:extLst>
+          </p:cNvPr>
+          <p:cNvSpPr txBox="1">
+            <a:spLocks noChangeArrowheads="1"/>
+          </p:cNvSpPr>
+          <p:nvPr/>
+        </p:nvSpPr>
+        <p:spPr bwMode="auto">
+          <a:xfrm>
+            <a:off x="11538285" y="10295880"/>
+            <a:ext cx="1796716" cy="276999"/>
+          </a:xfrm>
+          <a:prstGeom prst="rect">
+            <a:avLst/>
+          </a:prstGeom>
+          <a:noFill/>
+          <a:ln>
+            <a:noFill/>
+          </a:ln>
+          <a:extLst>
+            <a:ext uri="{909E8E84-426E-40DD-AFC4-6F175D3DCCD1}">
+              <a14:hiddenFill xmlns:a14="http://schemas.microsoft.com/office/drawing/2010/main">
+                <a:solidFill>
+                  <a:srgbClr val="FFFFFF"/>
+                </a:solidFill>
+              </a14:hiddenFill>
+            </a:ext>
+            <a:ext uri="{91240B29-F687-4F45-9708-019B960494DF}">
+              <a14:hiddenLine xmlns:a14="http://schemas.microsoft.com/office/drawing/2010/main" w="9525">
+                <a:solidFill>
+                  <a:srgbClr val="000000"/>
+                </a:solidFill>
+                <a:miter lim="800000"/>
+                <a:headEnd/>
+                <a:tailEnd/>
+              </a14:hiddenLine>
+            </a:ext>
+          </a:extLst>
+        </p:spPr>
+        <p:txBody>
+          <a:bodyPr wrap="square">
+            <a:spAutoFit/>
+          </a:bodyPr>
+          <a:lstStyle>
+            <a:lvl1pPr eaLnBrk="0" hangingPunct="0">
+              <a:defRPr sz="1200">
+                <a:solidFill>
+                  <a:schemeClr val="tx1"/>
+                </a:solidFill>
+                <a:latin typeface="Arial Narrow" pitchFamily="34" charset="0"/>
+                <a:ea typeface="MS PGothic" pitchFamily="34" charset="-128"/>
+              </a:defRPr>
+            </a:lvl1pPr>
+            <a:lvl2pPr marL="742950" indent="-285750" eaLnBrk="0" hangingPunct="0">
+              <a:defRPr sz="1200">
+                <a:solidFill>
+                  <a:schemeClr val="tx1"/>
+                </a:solidFill>
+                <a:latin typeface="Arial Narrow" pitchFamily="34" charset="0"/>
+                <a:ea typeface="MS PGothic" pitchFamily="34" charset="-128"/>
+              </a:defRPr>
+            </a:lvl2pPr>
+            <a:lvl3pPr marL="1143000" indent="-228600" eaLnBrk="0" hangingPunct="0">
+              <a:defRPr sz="1200">
+                <a:solidFill>
+                  <a:schemeClr val="tx1"/>
+                </a:solidFill>
+                <a:latin typeface="Arial Narrow" pitchFamily="34" charset="0"/>
+                <a:ea typeface="MS PGothic" pitchFamily="34" charset="-128"/>
+              </a:defRPr>
+            </a:lvl3pPr>
+            <a:lvl4pPr marL="1600200" indent="-228600" eaLnBrk="0" hangingPunct="0">
+              <a:defRPr sz="1200">
+                <a:solidFill>
+                  <a:schemeClr val="tx1"/>
+                </a:solidFill>
+                <a:latin typeface="Arial Narrow" pitchFamily="34" charset="0"/>
+                <a:ea typeface="MS PGothic" pitchFamily="34" charset="-128"/>
+              </a:defRPr>
+            </a:lvl4pPr>
+            <a:lvl5pPr marL="2057400" indent="-228600" eaLnBrk="0" hangingPunct="0">
+              <a:defRPr sz="1200">
+                <a:solidFill>
+                  <a:schemeClr val="tx1"/>
+                </a:solidFill>
+                <a:latin typeface="Arial Narrow" pitchFamily="34" charset="0"/>
+                <a:ea typeface="MS PGothic" pitchFamily="34" charset="-128"/>
+              </a:defRPr>
+            </a:lvl5pPr>
+            <a:lvl6pPr marL="2514600" indent="-228600" eaLnBrk="0" fontAlgn="base" hangingPunct="0">
+              <a:spcBef>
+                <a:spcPct val="0"/>
+              </a:spcBef>
+              <a:spcAft>
+                <a:spcPct val="0"/>
+              </a:spcAft>
+              <a:defRPr sz="1200">
+                <a:solidFill>
+                  <a:schemeClr val="tx1"/>
+                </a:solidFill>
+                <a:latin typeface="Arial Narrow" pitchFamily="34" charset="0"/>
+                <a:ea typeface="MS PGothic" pitchFamily="34" charset="-128"/>
+              </a:defRPr>
+            </a:lvl6pPr>
+            <a:lvl7pPr marL="2971800" indent="-228600" eaLnBrk="0" fontAlgn="base" hangingPunct="0">
+              <a:spcBef>
+                <a:spcPct val="0"/>
+              </a:spcBef>
+              <a:spcAft>
+                <a:spcPct val="0"/>
+              </a:spcAft>
+              <a:defRPr sz="1200">
+                <a:solidFill>
+                  <a:schemeClr val="tx1"/>
+                </a:solidFill>
+                <a:latin typeface="Arial Narrow" pitchFamily="34" charset="0"/>
+                <a:ea typeface="MS PGothic" pitchFamily="34" charset="-128"/>
+              </a:defRPr>
+            </a:lvl7pPr>
+            <a:lvl8pPr marL="3429000" indent="-228600" eaLnBrk="0" fontAlgn="base" hangingPunct="0">
+              <a:spcBef>
+                <a:spcPct val="0"/>
+              </a:spcBef>
+              <a:spcAft>
+                <a:spcPct val="0"/>
+              </a:spcAft>
+              <a:defRPr sz="1200">
+                <a:solidFill>
+                  <a:schemeClr val="tx1"/>
+                </a:solidFill>
+                <a:latin typeface="Arial Narrow" pitchFamily="34" charset="0"/>
+                <a:ea typeface="MS PGothic" pitchFamily="34" charset="-128"/>
+              </a:defRPr>
+            </a:lvl8pPr>
+            <a:lvl9pPr marL="3886200" indent="-228600" eaLnBrk="0" fontAlgn="base" hangingPunct="0">
+              <a:spcBef>
+                <a:spcPct val="0"/>
+              </a:spcBef>
+              <a:spcAft>
+                <a:spcPct val="0"/>
+              </a:spcAft>
+              <a:defRPr sz="1200">
+                <a:solidFill>
+                  <a:schemeClr val="tx1"/>
+                </a:solidFill>
+                <a:latin typeface="Arial Narrow" pitchFamily="34" charset="0"/>
+                <a:ea typeface="MS PGothic" pitchFamily="34" charset="-128"/>
+              </a:defRPr>
+            </a:lvl9pPr>
+          </a:lstStyle>
+          <a:p>
+            <a:pPr eaLnBrk="1" hangingPunct="1"/>
+            <a:r>
+              <a:rPr lang="en-US" dirty="0"/>
+              <a:t>Figure 3, Object Diagram</a:t>
+            </a:r>
+            <a:endParaRPr lang="en-IN" dirty="0"/>
+          </a:p>
+        </p:txBody>
+      </p:sp>
+      <p:pic>
+        <p:nvPicPr>
+          <p:cNvPr id="11" name="Picture 10">
+            <a:extLst>
+              <a:ext uri="{FF2B5EF4-FFF2-40B4-BE49-F238E27FC236}">
+                <a16:creationId xmlns:a16="http://schemas.microsoft.com/office/drawing/2014/main" id="{344C003C-5E92-4C5C-B6DD-18CFE1ACF30F}"/>
+              </a:ext>
+            </a:extLst>
+          </p:cNvPr>
+          <p:cNvPicPr>
+            <a:picLocks noChangeAspect="1"/>
+          </p:cNvPicPr>
+          <p:nvPr/>
+        </p:nvPicPr>
+        <p:blipFill>
+          <a:blip r:embed="rId6"/>
+          <a:stretch>
+            <a:fillRect/>
+          </a:stretch>
+        </p:blipFill>
+        <p:spPr>
+          <a:xfrm>
+            <a:off x="10378653" y="12360459"/>
+            <a:ext cx="4116941" cy="3577267"/>
+          </a:xfrm>
+          <a:prstGeom prst="rect">
+            <a:avLst/>
+          </a:prstGeom>
+        </p:spPr>
+      </p:pic>
+      <p:sp>
+        <p:nvSpPr>
+          <p:cNvPr id="42" name="Text Box 565">
+            <a:extLst>
+              <a:ext uri="{FF2B5EF4-FFF2-40B4-BE49-F238E27FC236}">
+                <a16:creationId xmlns:a16="http://schemas.microsoft.com/office/drawing/2014/main" id="{A617B42F-B4EF-4648-AD1A-BC8F4ECB9A5D}"/>
+              </a:ext>
+            </a:extLst>
+          </p:cNvPr>
+          <p:cNvSpPr txBox="1">
+            <a:spLocks noChangeArrowheads="1"/>
+          </p:cNvSpPr>
+          <p:nvPr/>
+        </p:nvSpPr>
+        <p:spPr bwMode="auto">
+          <a:xfrm>
+            <a:off x="10048620" y="10906025"/>
+            <a:ext cx="4632325" cy="1609381"/>
+          </a:xfrm>
+          <a:prstGeom prst="rect">
+            <a:avLst/>
+          </a:prstGeom>
+          <a:noFill/>
+          <a:ln>
+            <a:noFill/>
+          </a:ln>
+          <a:extLst>
+            <a:ext uri="{909E8E84-426E-40DD-AFC4-6F175D3DCCD1}">
+              <a14:hiddenFill xmlns:a14="http://schemas.microsoft.com/office/drawing/2010/main">
+                <a:solidFill>
+                  <a:srgbClr val="FFFFFF"/>
+                </a:solidFill>
+              </a14:hiddenFill>
+            </a:ext>
+            <a:ext uri="{91240B29-F687-4F45-9708-019B960494DF}">
+              <a14:hiddenLine xmlns:a14="http://schemas.microsoft.com/office/drawing/2010/main" w="9525">
+                <a:solidFill>
+                  <a:srgbClr val="000000"/>
+                </a:solidFill>
+                <a:miter lim="800000"/>
+                <a:headEnd/>
+                <a:tailEnd/>
+              </a14:hiddenLine>
+            </a:ext>
+          </a:extLst>
+        </p:spPr>
+        <p:txBody>
+          <a:bodyPr lIns="187308" tIns="187308" rIns="187308" bIns="187308">
+            <a:spAutoFit/>
+          </a:bodyPr>
+          <a:lstStyle>
+            <a:lvl1pPr defTabSz="1797050" eaLnBrk="0" hangingPunct="0">
+              <a:defRPr sz="1200">
+                <a:solidFill>
+                  <a:schemeClr val="tx1"/>
+                </a:solidFill>
+                <a:latin typeface="Arial Narrow" pitchFamily="34" charset="0"/>
+                <a:ea typeface="MS PGothic" pitchFamily="34" charset="-128"/>
+              </a:defRPr>
+            </a:lvl1pPr>
+            <a:lvl2pPr marL="742950" indent="-285750" defTabSz="1797050" eaLnBrk="0" hangingPunct="0">
+              <a:defRPr sz="1200">
+                <a:solidFill>
+                  <a:schemeClr val="tx1"/>
+                </a:solidFill>
+                <a:latin typeface="Arial Narrow" pitchFamily="34" charset="0"/>
+                <a:ea typeface="MS PGothic" pitchFamily="34" charset="-128"/>
+              </a:defRPr>
+            </a:lvl2pPr>
+            <a:lvl3pPr marL="1143000" indent="-228600" defTabSz="1797050" eaLnBrk="0" hangingPunct="0">
+              <a:defRPr sz="1200">
+                <a:solidFill>
+                  <a:schemeClr val="tx1"/>
+                </a:solidFill>
+                <a:latin typeface="Arial Narrow" pitchFamily="34" charset="0"/>
+                <a:ea typeface="MS PGothic" pitchFamily="34" charset="-128"/>
+              </a:defRPr>
+            </a:lvl3pPr>
+            <a:lvl4pPr marL="1600200" indent="-228600" defTabSz="1797050" eaLnBrk="0" hangingPunct="0">
+              <a:defRPr sz="1200">
+                <a:solidFill>
+                  <a:schemeClr val="tx1"/>
+                </a:solidFill>
+                <a:latin typeface="Arial Narrow" pitchFamily="34" charset="0"/>
+                <a:ea typeface="MS PGothic" pitchFamily="34" charset="-128"/>
+              </a:defRPr>
+            </a:lvl4pPr>
+            <a:lvl5pPr marL="2057400" indent="-228600" defTabSz="1797050" eaLnBrk="0" hangingPunct="0">
+              <a:defRPr sz="1200">
+                <a:solidFill>
+                  <a:schemeClr val="tx1"/>
+                </a:solidFill>
+                <a:latin typeface="Arial Narrow" pitchFamily="34" charset="0"/>
+                <a:ea typeface="MS PGothic" pitchFamily="34" charset="-128"/>
+              </a:defRPr>
+            </a:lvl5pPr>
+            <a:lvl6pPr marL="2514600" indent="-228600" defTabSz="1797050" eaLnBrk="0" fontAlgn="base" hangingPunct="0">
+              <a:spcBef>
+                <a:spcPct val="0"/>
+              </a:spcBef>
+              <a:spcAft>
+                <a:spcPct val="0"/>
+              </a:spcAft>
+              <a:defRPr sz="1200">
+                <a:solidFill>
+                  <a:schemeClr val="tx1"/>
+                </a:solidFill>
+                <a:latin typeface="Arial Narrow" pitchFamily="34" charset="0"/>
+                <a:ea typeface="MS PGothic" pitchFamily="34" charset="-128"/>
+              </a:defRPr>
+            </a:lvl6pPr>
+            <a:lvl7pPr marL="2971800" indent="-228600" defTabSz="1797050" eaLnBrk="0" fontAlgn="base" hangingPunct="0">
+              <a:spcBef>
+                <a:spcPct val="0"/>
+              </a:spcBef>
+              <a:spcAft>
+                <a:spcPct val="0"/>
+              </a:spcAft>
+              <a:defRPr sz="1200">
+                <a:solidFill>
+                  <a:schemeClr val="tx1"/>
+                </a:solidFill>
+                <a:latin typeface="Arial Narrow" pitchFamily="34" charset="0"/>
+                <a:ea typeface="MS PGothic" pitchFamily="34" charset="-128"/>
+              </a:defRPr>
+            </a:lvl7pPr>
+            <a:lvl8pPr marL="3429000" indent="-228600" defTabSz="1797050" eaLnBrk="0" fontAlgn="base" hangingPunct="0">
+              <a:spcBef>
+                <a:spcPct val="0"/>
+              </a:spcBef>
+              <a:spcAft>
+                <a:spcPct val="0"/>
+              </a:spcAft>
+              <a:defRPr sz="1200">
+                <a:solidFill>
+                  <a:schemeClr val="tx1"/>
+                </a:solidFill>
+                <a:latin typeface="Arial Narrow" pitchFamily="34" charset="0"/>
+                <a:ea typeface="MS PGothic" pitchFamily="34" charset="-128"/>
+              </a:defRPr>
+            </a:lvl8pPr>
+            <a:lvl9pPr marL="3886200" indent="-228600" defTabSz="1797050" eaLnBrk="0" fontAlgn="base" hangingPunct="0">
+              <a:spcBef>
+                <a:spcPct val="0"/>
+              </a:spcBef>
+              <a:spcAft>
+                <a:spcPct val="0"/>
+              </a:spcAft>
+              <a:defRPr sz="1200">
+                <a:solidFill>
+                  <a:schemeClr val="tx1"/>
+                </a:solidFill>
+                <a:latin typeface="Arial Narrow" pitchFamily="34" charset="0"/>
+                <a:ea typeface="MS PGothic" pitchFamily="34" charset="-128"/>
+              </a:defRPr>
+            </a:lvl9pPr>
+          </a:lstStyle>
+          <a:p>
+            <a:pPr algn="just" eaLnBrk="1" hangingPunct="1"/>
+            <a:r>
+              <a:rPr lang="en-NZ" sz="2000" dirty="0">
+                <a:solidFill>
+                  <a:schemeClr val="tx2"/>
+                </a:solidFill>
+                <a:latin typeface="Times New Roman" pitchFamily="18" charset="0"/>
+                <a:cs typeface="Times New Roman" pitchFamily="18" charset="0"/>
+              </a:rPr>
+              <a:t>To verify the system invariant was add into UML specification to help with design. The invariant has been added into UML specification as verification</a:t>
+            </a:r>
+            <a:endParaRPr lang="en-IN" sz="2000" dirty="0">
+              <a:solidFill>
+                <a:schemeClr val="tx2"/>
+              </a:solidFill>
+              <a:latin typeface="Times New Roman" pitchFamily="18" charset="0"/>
+              <a:cs typeface="Times New Roman" pitchFamily="18" charset="0"/>
+            </a:endParaRPr>
           </a:p>
         </p:txBody>
       </p:sp>
